--- a/MidtermPresent.pptx
+++ b/MidtermPresent.pptx
@@ -219,7 +219,7 @@
           <a:p>
             <a:fld id="{F9592DF3-7529-40BC-B69F-E8EA173874EA}" type="datetimeFigureOut">
               <a:rPr lang="zh-TW" altLang="en-US" smtClean="0"/>
-              <a:t>2023/4/24</a:t>
+              <a:t>2023/4/27</a:t>
             </a:fld>
             <a:endParaRPr lang="zh-TW" altLang="en-US"/>
           </a:p>
@@ -530,7 +530,10 @@
           <a:bodyPr/>
           <a:lstStyle/>
           <a:p>
-            <a:endParaRPr lang="zh-TW" altLang="en-US" dirty="0"/>
+            <a:r>
+              <a:rPr lang="zh-TW" altLang="en-US" dirty="0"/>
+              <a:t>大家好我是第一組，我們報告的題目就是用老師指定的題目，人臉去識別化，我們的組員有祐禎和欣怡</a:t>
+            </a:r>
           </a:p>
         </p:txBody>
       </p:sp>
@@ -551,7 +554,7 @@
           <a:p>
             <a:fld id="{7C1C9512-D1C3-4BBF-A913-019D5FB6140E}" type="slidenum">
               <a:rPr lang="zh-TW" altLang="en-US" smtClean="0"/>
-              <a:t>2</a:t>
+              <a:t>1</a:t>
             </a:fld>
             <a:endParaRPr lang="zh-TW" altLang="en-US"/>
           </a:p>
@@ -560,7 +563,2200 @@
     </p:spTree>
     <p:extLst>
       <p:ext uri="{BB962C8B-B14F-4D97-AF65-F5344CB8AC3E}">
-        <p14:creationId xmlns:p14="http://schemas.microsoft.com/office/powerpoint/2010/main" val="2492356806"/>
+        <p14:creationId xmlns:p14="http://schemas.microsoft.com/office/powerpoint/2010/main" val="131795504"/>
+      </p:ext>
+    </p:extLst>
+  </p:cSld>
+  <p:clrMapOvr>
+    <a:masterClrMapping/>
+  </p:clrMapOvr>
+</p:notes>
+</file>
+
+<file path=ppt/notesSlides/notesSlide10.xml><?xml version="1.0" encoding="utf-8"?>
+<p:notes xmlns:a="http://schemas.openxmlformats.org/drawingml/2006/main" xmlns:r="http://schemas.openxmlformats.org/officeDocument/2006/relationships" xmlns:p="http://schemas.openxmlformats.org/presentationml/2006/main">
+  <p:cSld>
+    <p:spTree>
+      <p:nvGrpSpPr>
+        <p:cNvPr id="1" name=""/>
+        <p:cNvGrpSpPr/>
+        <p:nvPr/>
+      </p:nvGrpSpPr>
+      <p:grpSpPr>
+        <a:xfrm>
+          <a:off x="0" y="0"/>
+          <a:ext cx="0" cy="0"/>
+          <a:chOff x="0" y="0"/>
+          <a:chExt cx="0" cy="0"/>
+        </a:xfrm>
+      </p:grpSpPr>
+      <p:sp>
+        <p:nvSpPr>
+          <p:cNvPr id="2" name="投影片影像版面配置區 1"/>
+          <p:cNvSpPr>
+            <a:spLocks noGrp="1" noRot="1" noChangeAspect="1"/>
+          </p:cNvSpPr>
+          <p:nvPr>
+            <p:ph type="sldImg"/>
+          </p:nvPr>
+        </p:nvSpPr>
+        <p:spPr/>
+      </p:sp>
+      <p:sp>
+        <p:nvSpPr>
+          <p:cNvPr id="3" name="備忘稿版面配置區 2"/>
+          <p:cNvSpPr>
+            <a:spLocks noGrp="1"/>
+          </p:cNvSpPr>
+          <p:nvPr>
+            <p:ph type="body" idx="1"/>
+          </p:nvPr>
+        </p:nvSpPr>
+        <p:spPr/>
+        <p:txBody>
+          <a:bodyPr/>
+          <a:lstStyle/>
+          <a:p>
+            <a:pPr marL="0" marR="0" lvl="0" indent="0" algn="l" defTabSz="914400" rtl="0" eaLnBrk="1" fontAlgn="auto" latinLnBrk="0" hangingPunct="1">
+              <a:lnSpc>
+                <a:spcPct val="100000"/>
+              </a:lnSpc>
+              <a:spcBef>
+                <a:spcPts val="0"/>
+              </a:spcBef>
+              <a:spcAft>
+                <a:spcPts val="0"/>
+              </a:spcAft>
+              <a:buClrTx/>
+              <a:buSzTx/>
+              <a:buFontTx/>
+              <a:buNone/>
+              <a:tabLst/>
+              <a:defRPr/>
+            </a:pPr>
+            <a:r>
+              <a:rPr lang="zh-TW" altLang="en-US" dirty="0"/>
+              <a:t>在</a:t>
+            </a:r>
+            <a:r>
+              <a:rPr lang="en-US" altLang="zh-TW" sz="1200" b="1" dirty="0">
+                <a:solidFill>
+                  <a:schemeClr val="bg1"/>
+                </a:solidFill>
+              </a:rPr>
+              <a:t>Gaussian</a:t>
+            </a:r>
+            <a:r>
+              <a:rPr lang="zh-TW" altLang="en-US" sz="1200" b="1" dirty="0">
+                <a:solidFill>
+                  <a:schemeClr val="bg1"/>
+                </a:solidFill>
+              </a:rPr>
+              <a:t>係數</a:t>
+            </a:r>
+            <a:r>
+              <a:rPr lang="en-US" altLang="zh-TW" sz="1200" b="1" dirty="0">
+                <a:solidFill>
+                  <a:schemeClr val="bg1"/>
+                </a:solidFill>
+              </a:rPr>
+              <a:t>45 </a:t>
+            </a:r>
+            <a:r>
+              <a:rPr lang="zh-TW" altLang="en-US" sz="1200" b="1" dirty="0">
+                <a:solidFill>
+                  <a:schemeClr val="bg1"/>
+                </a:solidFill>
+              </a:rPr>
+              <a:t>有降低一點到</a:t>
+            </a:r>
+            <a:r>
+              <a:rPr lang="en-US" altLang="zh-TW" sz="1200" b="1" dirty="0">
+                <a:solidFill>
+                  <a:schemeClr val="bg1"/>
+                </a:solidFill>
+              </a:rPr>
+              <a:t>24%</a:t>
+            </a:r>
+            <a:endParaRPr lang="zh-TW" altLang="en-US" dirty="0"/>
+          </a:p>
+          <a:p>
+            <a:endParaRPr lang="zh-TW" altLang="en-US" dirty="0"/>
+          </a:p>
+        </p:txBody>
+      </p:sp>
+      <p:sp>
+        <p:nvSpPr>
+          <p:cNvPr id="4" name="投影片編號版面配置區 3"/>
+          <p:cNvSpPr>
+            <a:spLocks noGrp="1"/>
+          </p:cNvSpPr>
+          <p:nvPr>
+            <p:ph type="sldNum" sz="quarter" idx="5"/>
+          </p:nvPr>
+        </p:nvSpPr>
+        <p:spPr/>
+        <p:txBody>
+          <a:bodyPr/>
+          <a:lstStyle/>
+          <a:p>
+            <a:fld id="{7C1C9512-D1C3-4BBF-A913-019D5FB6140E}" type="slidenum">
+              <a:rPr lang="zh-TW" altLang="en-US" smtClean="0"/>
+              <a:t>10</a:t>
+            </a:fld>
+            <a:endParaRPr lang="zh-TW" altLang="en-US"/>
+          </a:p>
+        </p:txBody>
+      </p:sp>
+    </p:spTree>
+    <p:extLst>
+      <p:ext uri="{BB962C8B-B14F-4D97-AF65-F5344CB8AC3E}">
+        <p14:creationId xmlns:p14="http://schemas.microsoft.com/office/powerpoint/2010/main" val="2091283321"/>
+      </p:ext>
+    </p:extLst>
+  </p:cSld>
+  <p:clrMapOvr>
+    <a:masterClrMapping/>
+  </p:clrMapOvr>
+</p:notes>
+</file>
+
+<file path=ppt/notesSlides/notesSlide11.xml><?xml version="1.0" encoding="utf-8"?>
+<p:notes xmlns:a="http://schemas.openxmlformats.org/drawingml/2006/main" xmlns:r="http://schemas.openxmlformats.org/officeDocument/2006/relationships" xmlns:p="http://schemas.openxmlformats.org/presentationml/2006/main">
+  <p:cSld>
+    <p:spTree>
+      <p:nvGrpSpPr>
+        <p:cNvPr id="1" name=""/>
+        <p:cNvGrpSpPr/>
+        <p:nvPr/>
+      </p:nvGrpSpPr>
+      <p:grpSpPr>
+        <a:xfrm>
+          <a:off x="0" y="0"/>
+          <a:ext cx="0" cy="0"/>
+          <a:chOff x="0" y="0"/>
+          <a:chExt cx="0" cy="0"/>
+        </a:xfrm>
+      </p:grpSpPr>
+      <p:sp>
+        <p:nvSpPr>
+          <p:cNvPr id="2" name="投影片影像版面配置區 1"/>
+          <p:cNvSpPr>
+            <a:spLocks noGrp="1" noRot="1" noChangeAspect="1"/>
+          </p:cNvSpPr>
+          <p:nvPr>
+            <p:ph type="sldImg"/>
+          </p:nvPr>
+        </p:nvSpPr>
+        <p:spPr/>
+      </p:sp>
+      <p:sp>
+        <p:nvSpPr>
+          <p:cNvPr id="3" name="備忘稿版面配置區 2"/>
+          <p:cNvSpPr>
+            <a:spLocks noGrp="1"/>
+          </p:cNvSpPr>
+          <p:nvPr>
+            <p:ph type="body" idx="1"/>
+          </p:nvPr>
+        </p:nvSpPr>
+        <p:spPr/>
+        <p:txBody>
+          <a:bodyPr/>
+          <a:lstStyle/>
+          <a:p>
+            <a:pPr marL="0" marR="0" lvl="0" indent="0" algn="l" defTabSz="914400" rtl="0" eaLnBrk="1" fontAlgn="auto" latinLnBrk="0" hangingPunct="1">
+              <a:lnSpc>
+                <a:spcPct val="100000"/>
+              </a:lnSpc>
+              <a:spcBef>
+                <a:spcPts val="0"/>
+              </a:spcBef>
+              <a:spcAft>
+                <a:spcPts val="0"/>
+              </a:spcAft>
+              <a:buClrTx/>
+              <a:buSzTx/>
+              <a:buFontTx/>
+              <a:buNone/>
+              <a:tabLst/>
+              <a:defRPr/>
+            </a:pPr>
+            <a:r>
+              <a:rPr lang="zh-TW" altLang="en-US" dirty="0"/>
+              <a:t>在</a:t>
+            </a:r>
+            <a:r>
+              <a:rPr lang="en-US" altLang="zh-TW" sz="1200" b="1" dirty="0">
+                <a:solidFill>
+                  <a:schemeClr val="bg1"/>
+                </a:solidFill>
+              </a:rPr>
+              <a:t>Gaussian</a:t>
+            </a:r>
+            <a:r>
+              <a:rPr lang="zh-TW" altLang="en-US" sz="1200" b="1" dirty="0">
+                <a:solidFill>
+                  <a:schemeClr val="bg1"/>
+                </a:solidFill>
+              </a:rPr>
+              <a:t>係數</a:t>
+            </a:r>
+            <a:r>
+              <a:rPr lang="en-US" altLang="zh-TW" sz="1200" b="1" dirty="0">
+                <a:solidFill>
+                  <a:schemeClr val="bg1"/>
+                </a:solidFill>
+              </a:rPr>
+              <a:t>99</a:t>
+            </a:r>
+            <a:r>
+              <a:rPr lang="zh-TW" altLang="en-US" sz="1200" b="1" dirty="0">
+                <a:solidFill>
+                  <a:schemeClr val="bg1"/>
+                </a:solidFill>
+              </a:rPr>
+              <a:t>，訓練結果的正確率只有</a:t>
+            </a:r>
+            <a:r>
+              <a:rPr lang="en-US" altLang="zh-TW" sz="1200" b="1" dirty="0">
+                <a:solidFill>
+                  <a:schemeClr val="bg1"/>
+                </a:solidFill>
+              </a:rPr>
+              <a:t>11.35</a:t>
+            </a:r>
+            <a:endParaRPr lang="zh-TW" altLang="en-US" dirty="0"/>
+          </a:p>
+        </p:txBody>
+      </p:sp>
+      <p:sp>
+        <p:nvSpPr>
+          <p:cNvPr id="4" name="投影片編號版面配置區 3"/>
+          <p:cNvSpPr>
+            <a:spLocks noGrp="1"/>
+          </p:cNvSpPr>
+          <p:nvPr>
+            <p:ph type="sldNum" sz="quarter" idx="5"/>
+          </p:nvPr>
+        </p:nvSpPr>
+        <p:spPr/>
+        <p:txBody>
+          <a:bodyPr/>
+          <a:lstStyle/>
+          <a:p>
+            <a:fld id="{7C1C9512-D1C3-4BBF-A913-019D5FB6140E}" type="slidenum">
+              <a:rPr lang="zh-TW" altLang="en-US" smtClean="0"/>
+              <a:t>11</a:t>
+            </a:fld>
+            <a:endParaRPr lang="zh-TW" altLang="en-US"/>
+          </a:p>
+        </p:txBody>
+      </p:sp>
+    </p:spTree>
+    <p:extLst>
+      <p:ext uri="{BB962C8B-B14F-4D97-AF65-F5344CB8AC3E}">
+        <p14:creationId xmlns:p14="http://schemas.microsoft.com/office/powerpoint/2010/main" val="1492984898"/>
+      </p:ext>
+    </p:extLst>
+  </p:cSld>
+  <p:clrMapOvr>
+    <a:masterClrMapping/>
+  </p:clrMapOvr>
+</p:notes>
+</file>
+
+<file path=ppt/notesSlides/notesSlide12.xml><?xml version="1.0" encoding="utf-8"?>
+<p:notes xmlns:a="http://schemas.openxmlformats.org/drawingml/2006/main" xmlns:r="http://schemas.openxmlformats.org/officeDocument/2006/relationships" xmlns:p="http://schemas.openxmlformats.org/presentationml/2006/main">
+  <p:cSld>
+    <p:spTree>
+      <p:nvGrpSpPr>
+        <p:cNvPr id="1" name=""/>
+        <p:cNvGrpSpPr/>
+        <p:nvPr/>
+      </p:nvGrpSpPr>
+      <p:grpSpPr>
+        <a:xfrm>
+          <a:off x="0" y="0"/>
+          <a:ext cx="0" cy="0"/>
+          <a:chOff x="0" y="0"/>
+          <a:chExt cx="0" cy="0"/>
+        </a:xfrm>
+      </p:grpSpPr>
+      <p:sp>
+        <p:nvSpPr>
+          <p:cNvPr id="2" name="投影片影像版面配置區 1"/>
+          <p:cNvSpPr>
+            <a:spLocks noGrp="1" noRot="1" noChangeAspect="1"/>
+          </p:cNvSpPr>
+          <p:nvPr>
+            <p:ph type="sldImg"/>
+          </p:nvPr>
+        </p:nvSpPr>
+        <p:spPr/>
+      </p:sp>
+      <p:sp>
+        <p:nvSpPr>
+          <p:cNvPr id="3" name="備忘稿版面配置區 2"/>
+          <p:cNvSpPr>
+            <a:spLocks noGrp="1"/>
+          </p:cNvSpPr>
+          <p:nvPr>
+            <p:ph type="body" idx="1"/>
+          </p:nvPr>
+        </p:nvSpPr>
+        <p:spPr/>
+        <p:txBody>
+          <a:bodyPr/>
+          <a:lstStyle/>
+          <a:p>
+            <a:r>
+              <a:rPr lang="zh-TW" altLang="en-US" dirty="0"/>
+              <a:t>我們第二個實作的是</a:t>
+            </a:r>
+            <a:r>
+              <a:rPr lang="en-US" altLang="zh-TW" dirty="0"/>
+              <a:t>Cifar-10 </a:t>
+            </a:r>
+          </a:p>
+          <a:p>
+            <a:r>
+              <a:rPr lang="zh-TW" altLang="en-US" dirty="0"/>
+              <a:t>它和</a:t>
+            </a:r>
+            <a:r>
+              <a:rPr lang="en-US" altLang="zh-TW" dirty="0"/>
+              <a:t>MNIST </a:t>
+            </a:r>
+            <a:r>
+              <a:rPr lang="zh-TW" altLang="en-US" dirty="0"/>
+              <a:t>相同，是一個有 </a:t>
+            </a:r>
+            <a:r>
+              <a:rPr lang="en-US" altLang="zh-TW" dirty="0"/>
+              <a:t>6</a:t>
+            </a:r>
+            <a:r>
+              <a:rPr lang="zh-TW" altLang="en-US" dirty="0"/>
+              <a:t>萬 張圖片的資料集，分成 </a:t>
+            </a:r>
+            <a:r>
+              <a:rPr lang="en-US" altLang="zh-TW" dirty="0"/>
+              <a:t>50000 </a:t>
+            </a:r>
+            <a:r>
+              <a:rPr lang="zh-TW" altLang="en-US" dirty="0"/>
+              <a:t>張 </a:t>
+            </a:r>
+            <a:r>
+              <a:rPr lang="en-US" altLang="zh-TW" dirty="0"/>
+              <a:t>Training data</a:t>
+            </a:r>
+            <a:r>
+              <a:rPr lang="zh-TW" altLang="en-US" dirty="0"/>
+              <a:t>、以及 </a:t>
+            </a:r>
+            <a:r>
+              <a:rPr lang="en-US" altLang="zh-TW" dirty="0"/>
+              <a:t>10000 </a:t>
+            </a:r>
+            <a:r>
+              <a:rPr lang="zh-TW" altLang="en-US" dirty="0"/>
+              <a:t>張 </a:t>
+            </a:r>
+            <a:r>
+              <a:rPr lang="en-US" altLang="zh-TW" dirty="0"/>
+              <a:t>Test data</a:t>
+            </a:r>
+            <a:r>
+              <a:rPr lang="zh-TW" altLang="en-US" dirty="0"/>
+              <a:t>。</a:t>
+            </a:r>
+          </a:p>
+          <a:p>
+            <a:r>
+              <a:rPr lang="zh-TW" altLang="en-US" dirty="0"/>
+              <a:t>不同之處在於 </a:t>
+            </a:r>
+            <a:r>
+              <a:rPr lang="en-US" altLang="zh-TW" dirty="0"/>
+              <a:t>Cifar-10 </a:t>
+            </a:r>
+            <a:r>
+              <a:rPr lang="zh-TW" altLang="en-US" dirty="0"/>
+              <a:t>是 </a:t>
+            </a:r>
+            <a:r>
+              <a:rPr lang="en-US" altLang="zh-TW" dirty="0"/>
+              <a:t>32 x 32 </a:t>
+            </a:r>
+            <a:r>
+              <a:rPr lang="zh-TW" altLang="en-US" dirty="0"/>
+              <a:t>大小的 </a:t>
+            </a:r>
+            <a:r>
+              <a:rPr lang="en-US" altLang="zh-TW" dirty="0"/>
+              <a:t>RGB </a:t>
+            </a:r>
+            <a:r>
+              <a:rPr lang="zh-TW" altLang="en-US" dirty="0"/>
+              <a:t>彩色圖片，訓練比起 </a:t>
+            </a:r>
+            <a:r>
+              <a:rPr lang="en-US" altLang="zh-TW" dirty="0"/>
+              <a:t>MNIST </a:t>
+            </a:r>
+            <a:r>
+              <a:rPr lang="zh-TW" altLang="en-US" dirty="0"/>
+              <a:t>更是難上不少，模型也更複雜。</a:t>
+            </a:r>
+          </a:p>
+          <a:p>
+            <a:endParaRPr lang="zh-TW" altLang="en-US" dirty="0"/>
+          </a:p>
+          <a:p>
+            <a:pPr marL="0" marR="0" lvl="0" indent="0" algn="l" defTabSz="914400" rtl="0" eaLnBrk="1" fontAlgn="auto" latinLnBrk="0" hangingPunct="1">
+              <a:lnSpc>
+                <a:spcPct val="100000"/>
+              </a:lnSpc>
+              <a:spcBef>
+                <a:spcPts val="0"/>
+              </a:spcBef>
+              <a:spcAft>
+                <a:spcPts val="0"/>
+              </a:spcAft>
+              <a:buClrTx/>
+              <a:buSzTx/>
+              <a:buFontTx/>
+              <a:buNone/>
+              <a:tabLst/>
+              <a:defRPr/>
+            </a:pPr>
+            <a:r>
+              <a:rPr lang="zh-TW" altLang="en-US" sz="1200" b="0" kern="1200" dirty="0">
+                <a:solidFill>
+                  <a:schemeClr val="tx1"/>
+                </a:solidFill>
+                <a:effectLst/>
+                <a:latin typeface="+mn-lt"/>
+                <a:ea typeface="+mn-ea"/>
+                <a:cs typeface="+mn-cs"/>
+              </a:rPr>
+              <a:t>我們用</a:t>
+            </a:r>
+            <a:r>
+              <a:rPr lang="en-US" altLang="zh-TW" sz="1200" b="0" kern="1200" dirty="0">
+                <a:solidFill>
+                  <a:schemeClr val="tx1"/>
+                </a:solidFill>
+                <a:effectLst/>
+                <a:latin typeface="+mn-lt"/>
+                <a:ea typeface="+mn-ea"/>
+                <a:cs typeface="+mn-cs"/>
+              </a:rPr>
+              <a:t>loader</a:t>
+            </a:r>
+            <a:r>
+              <a:rPr lang="zh-TW" altLang="en-US" dirty="0"/>
+              <a:t>在訓練時一次讀取</a:t>
+            </a:r>
+            <a:r>
+              <a:rPr lang="en-US" altLang="zh-TW" dirty="0"/>
+              <a:t>1</a:t>
+            </a:r>
+            <a:r>
+              <a:rPr lang="zh-TW" altLang="en-US" dirty="0"/>
+              <a:t>個</a:t>
+            </a:r>
+            <a:r>
+              <a:rPr lang="en-US" altLang="zh-TW" dirty="0" err="1"/>
+              <a:t>Batch_size</a:t>
+            </a:r>
+            <a:r>
+              <a:rPr lang="zh-TW" altLang="en-US" dirty="0"/>
+              <a:t>的數據而不用讀取整個</a:t>
+            </a:r>
+            <a:r>
+              <a:rPr lang="en-US" altLang="zh-TW" dirty="0"/>
+              <a:t>Dataset</a:t>
+            </a:r>
+            <a:r>
+              <a:rPr lang="zh-TW" altLang="en-US" dirty="0"/>
+              <a:t>的數據。</a:t>
+            </a:r>
+            <a:endParaRPr lang="en-US" altLang="zh-TW" dirty="0"/>
+          </a:p>
+          <a:p>
+            <a:pPr marL="0" marR="0" lvl="0" indent="0" algn="l" defTabSz="914400" rtl="0" eaLnBrk="1" fontAlgn="auto" latinLnBrk="0" hangingPunct="1">
+              <a:lnSpc>
+                <a:spcPct val="100000"/>
+              </a:lnSpc>
+              <a:spcBef>
+                <a:spcPts val="0"/>
+              </a:spcBef>
+              <a:spcAft>
+                <a:spcPts val="0"/>
+              </a:spcAft>
+              <a:buClrTx/>
+              <a:buSzTx/>
+              <a:buFontTx/>
+              <a:buNone/>
+              <a:tabLst/>
+              <a:defRPr/>
+            </a:pPr>
+            <a:r>
+              <a:rPr lang="zh-TW" altLang="en-US" dirty="0"/>
+              <a:t>所以我們</a:t>
+            </a:r>
+            <a:r>
+              <a:rPr lang="en-US" altLang="zh-TW" dirty="0" err="1"/>
+              <a:t>BatchSize</a:t>
+            </a:r>
+            <a:r>
+              <a:rPr lang="en-US" altLang="zh-TW" dirty="0"/>
+              <a:t> </a:t>
+            </a:r>
+            <a:r>
+              <a:rPr lang="zh-TW" altLang="en-US" dirty="0"/>
+              <a:t>都用</a:t>
+            </a:r>
+            <a:r>
+              <a:rPr lang="en-US" altLang="zh-TW" dirty="0"/>
+              <a:t>128</a:t>
+            </a:r>
+            <a:r>
+              <a:rPr lang="zh-TW" altLang="en-US" dirty="0"/>
+              <a:t>，對於大型數據集，使用較大的</a:t>
+            </a:r>
+            <a:r>
+              <a:rPr lang="en-US" altLang="zh-TW" dirty="0"/>
+              <a:t>batch size</a:t>
+            </a:r>
+            <a:r>
+              <a:rPr lang="zh-TW" altLang="en-US" dirty="0"/>
+              <a:t>可能會更為合適，因為這可以加速訓練過程，並且可以減少隨機性的影響</a:t>
+            </a:r>
+            <a:endParaRPr lang="en-US" altLang="zh-TW" dirty="0"/>
+          </a:p>
+          <a:p>
+            <a:pPr marL="0" marR="0" lvl="0" indent="0" algn="l" defTabSz="914400" rtl="0" eaLnBrk="1" fontAlgn="auto" latinLnBrk="0" hangingPunct="1">
+              <a:lnSpc>
+                <a:spcPct val="100000"/>
+              </a:lnSpc>
+              <a:spcBef>
+                <a:spcPts val="0"/>
+              </a:spcBef>
+              <a:spcAft>
+                <a:spcPts val="0"/>
+              </a:spcAft>
+              <a:buClrTx/>
+              <a:buSzTx/>
+              <a:buFontTx/>
+              <a:buNone/>
+              <a:tabLst/>
+              <a:defRPr/>
+            </a:pPr>
+            <a:r>
+              <a:rPr lang="zh-TW" altLang="en-US" dirty="0"/>
+              <a:t>在</a:t>
+            </a:r>
+            <a:r>
+              <a:rPr lang="en-US" altLang="zh-TW" sz="1200" b="1" dirty="0">
+                <a:solidFill>
+                  <a:schemeClr val="bg1"/>
+                </a:solidFill>
+              </a:rPr>
+              <a:t>Gaussian</a:t>
+            </a:r>
+            <a:r>
+              <a:rPr lang="zh-TW" altLang="en-US" sz="1200" b="1" dirty="0">
+                <a:solidFill>
+                  <a:schemeClr val="bg1"/>
+                </a:solidFill>
+              </a:rPr>
+              <a:t>係數</a:t>
+            </a:r>
+            <a:r>
+              <a:rPr lang="en-US" altLang="zh-TW" sz="1200" b="1" dirty="0">
+                <a:solidFill>
+                  <a:schemeClr val="bg1"/>
+                </a:solidFill>
+              </a:rPr>
+              <a:t>15 Training</a:t>
+            </a:r>
+            <a:r>
+              <a:rPr lang="zh-TW" altLang="en-US" sz="1200" b="1" dirty="0">
+                <a:solidFill>
+                  <a:schemeClr val="bg1"/>
+                </a:solidFill>
+              </a:rPr>
+              <a:t>結果的正確率是</a:t>
+            </a:r>
+            <a:r>
+              <a:rPr lang="en-US" altLang="zh-TW" sz="1200" b="1" dirty="0">
+                <a:solidFill>
+                  <a:schemeClr val="bg1"/>
+                </a:solidFill>
+              </a:rPr>
+              <a:t>15.49</a:t>
+            </a:r>
+            <a:endParaRPr lang="zh-TW" altLang="en-US" dirty="0"/>
+          </a:p>
+          <a:p>
+            <a:pPr marL="0" marR="0" lvl="0" indent="0" algn="l" defTabSz="914400" rtl="0" eaLnBrk="1" fontAlgn="auto" latinLnBrk="0" hangingPunct="1">
+              <a:lnSpc>
+                <a:spcPct val="100000"/>
+              </a:lnSpc>
+              <a:spcBef>
+                <a:spcPts val="0"/>
+              </a:spcBef>
+              <a:spcAft>
+                <a:spcPts val="0"/>
+              </a:spcAft>
+              <a:buClrTx/>
+              <a:buSzTx/>
+              <a:buFontTx/>
+              <a:buNone/>
+              <a:tabLst/>
+              <a:defRPr/>
+            </a:pPr>
+            <a:endParaRPr lang="en-US" altLang="zh-TW" dirty="0"/>
+          </a:p>
+          <a:p>
+            <a:pPr marL="0" marR="0" lvl="0" indent="0" algn="l" defTabSz="914400" rtl="0" eaLnBrk="1" fontAlgn="auto" latinLnBrk="0" hangingPunct="1">
+              <a:lnSpc>
+                <a:spcPct val="100000"/>
+              </a:lnSpc>
+              <a:spcBef>
+                <a:spcPts val="0"/>
+              </a:spcBef>
+              <a:spcAft>
+                <a:spcPts val="0"/>
+              </a:spcAft>
+              <a:buClrTx/>
+              <a:buSzTx/>
+              <a:buFontTx/>
+              <a:buNone/>
+              <a:tabLst/>
+              <a:defRPr/>
+            </a:pPr>
+            <a:endParaRPr lang="en-US" altLang="zh-TW" dirty="0"/>
+          </a:p>
+          <a:p>
+            <a:endParaRPr lang="zh-TW" altLang="en-US" dirty="0"/>
+          </a:p>
+        </p:txBody>
+      </p:sp>
+      <p:sp>
+        <p:nvSpPr>
+          <p:cNvPr id="4" name="投影片編號版面配置區 3"/>
+          <p:cNvSpPr>
+            <a:spLocks noGrp="1"/>
+          </p:cNvSpPr>
+          <p:nvPr>
+            <p:ph type="sldNum" sz="quarter" idx="5"/>
+          </p:nvPr>
+        </p:nvSpPr>
+        <p:spPr/>
+        <p:txBody>
+          <a:bodyPr/>
+          <a:lstStyle/>
+          <a:p>
+            <a:fld id="{7C1C9512-D1C3-4BBF-A913-019D5FB6140E}" type="slidenum">
+              <a:rPr lang="zh-TW" altLang="en-US" smtClean="0"/>
+              <a:t>12</a:t>
+            </a:fld>
+            <a:endParaRPr lang="zh-TW" altLang="en-US"/>
+          </a:p>
+        </p:txBody>
+      </p:sp>
+    </p:spTree>
+    <p:extLst>
+      <p:ext uri="{BB962C8B-B14F-4D97-AF65-F5344CB8AC3E}">
+        <p14:creationId xmlns:p14="http://schemas.microsoft.com/office/powerpoint/2010/main" val="880511690"/>
+      </p:ext>
+    </p:extLst>
+  </p:cSld>
+  <p:clrMapOvr>
+    <a:masterClrMapping/>
+  </p:clrMapOvr>
+</p:notes>
+</file>
+
+<file path=ppt/notesSlides/notesSlide13.xml><?xml version="1.0" encoding="utf-8"?>
+<p:notes xmlns:a="http://schemas.openxmlformats.org/drawingml/2006/main" xmlns:r="http://schemas.openxmlformats.org/officeDocument/2006/relationships" xmlns:p="http://schemas.openxmlformats.org/presentationml/2006/main">
+  <p:cSld>
+    <p:spTree>
+      <p:nvGrpSpPr>
+        <p:cNvPr id="1" name=""/>
+        <p:cNvGrpSpPr/>
+        <p:nvPr/>
+      </p:nvGrpSpPr>
+      <p:grpSpPr>
+        <a:xfrm>
+          <a:off x="0" y="0"/>
+          <a:ext cx="0" cy="0"/>
+          <a:chOff x="0" y="0"/>
+          <a:chExt cx="0" cy="0"/>
+        </a:xfrm>
+      </p:grpSpPr>
+      <p:sp>
+        <p:nvSpPr>
+          <p:cNvPr id="2" name="投影片影像版面配置區 1"/>
+          <p:cNvSpPr>
+            <a:spLocks noGrp="1" noRot="1" noChangeAspect="1"/>
+          </p:cNvSpPr>
+          <p:nvPr>
+            <p:ph type="sldImg"/>
+          </p:nvPr>
+        </p:nvSpPr>
+        <p:spPr/>
+      </p:sp>
+      <p:sp>
+        <p:nvSpPr>
+          <p:cNvPr id="3" name="備忘稿版面配置區 2"/>
+          <p:cNvSpPr>
+            <a:spLocks noGrp="1"/>
+          </p:cNvSpPr>
+          <p:nvPr>
+            <p:ph type="body" idx="1"/>
+          </p:nvPr>
+        </p:nvSpPr>
+        <p:spPr/>
+        <p:txBody>
+          <a:bodyPr/>
+          <a:lstStyle/>
+          <a:p>
+            <a:pPr marL="0" marR="0" lvl="0" indent="0" algn="l" defTabSz="914400" rtl="0" eaLnBrk="1" fontAlgn="auto" latinLnBrk="0" hangingPunct="1">
+              <a:lnSpc>
+                <a:spcPct val="100000"/>
+              </a:lnSpc>
+              <a:spcBef>
+                <a:spcPts val="0"/>
+              </a:spcBef>
+              <a:spcAft>
+                <a:spcPts val="0"/>
+              </a:spcAft>
+              <a:buClrTx/>
+              <a:buSzTx/>
+              <a:buFontTx/>
+              <a:buNone/>
+              <a:tabLst/>
+              <a:defRPr/>
+            </a:pPr>
+            <a:r>
+              <a:rPr lang="zh-TW" altLang="en-US" dirty="0"/>
+              <a:t>在</a:t>
+            </a:r>
+            <a:r>
+              <a:rPr lang="en-US" altLang="zh-TW" sz="1200" b="1" dirty="0">
+                <a:solidFill>
+                  <a:schemeClr val="bg1"/>
+                </a:solidFill>
+              </a:rPr>
+              <a:t>Gaussian</a:t>
+            </a:r>
+            <a:r>
+              <a:rPr lang="zh-TW" altLang="en-US" sz="1200" b="1" dirty="0">
+                <a:solidFill>
+                  <a:schemeClr val="bg1"/>
+                </a:solidFill>
+              </a:rPr>
+              <a:t>係數</a:t>
+            </a:r>
+            <a:r>
+              <a:rPr lang="en-US" altLang="zh-TW" sz="1200" b="1" dirty="0">
+                <a:solidFill>
+                  <a:schemeClr val="bg1"/>
+                </a:solidFill>
+              </a:rPr>
+              <a:t>45 </a:t>
+            </a:r>
+            <a:r>
+              <a:rPr lang="zh-TW" altLang="en-US" sz="1200" b="1" dirty="0">
+                <a:solidFill>
+                  <a:schemeClr val="bg1"/>
+                </a:solidFill>
+              </a:rPr>
+              <a:t>有降低一點到</a:t>
+            </a:r>
+            <a:r>
+              <a:rPr lang="en-US" altLang="zh-TW" sz="1200" b="1" dirty="0">
+                <a:solidFill>
+                  <a:schemeClr val="bg1"/>
+                </a:solidFill>
+              </a:rPr>
+              <a:t>10.02</a:t>
+            </a:r>
+            <a:endParaRPr lang="zh-TW" altLang="en-US" dirty="0"/>
+          </a:p>
+          <a:p>
+            <a:endParaRPr lang="zh-TW" altLang="en-US" dirty="0"/>
+          </a:p>
+        </p:txBody>
+      </p:sp>
+      <p:sp>
+        <p:nvSpPr>
+          <p:cNvPr id="4" name="投影片編號版面配置區 3"/>
+          <p:cNvSpPr>
+            <a:spLocks noGrp="1"/>
+          </p:cNvSpPr>
+          <p:nvPr>
+            <p:ph type="sldNum" sz="quarter" idx="5"/>
+          </p:nvPr>
+        </p:nvSpPr>
+        <p:spPr/>
+        <p:txBody>
+          <a:bodyPr/>
+          <a:lstStyle/>
+          <a:p>
+            <a:fld id="{7C1C9512-D1C3-4BBF-A913-019D5FB6140E}" type="slidenum">
+              <a:rPr lang="zh-TW" altLang="en-US" smtClean="0"/>
+              <a:t>13</a:t>
+            </a:fld>
+            <a:endParaRPr lang="zh-TW" altLang="en-US"/>
+          </a:p>
+        </p:txBody>
+      </p:sp>
+    </p:spTree>
+    <p:extLst>
+      <p:ext uri="{BB962C8B-B14F-4D97-AF65-F5344CB8AC3E}">
+        <p14:creationId xmlns:p14="http://schemas.microsoft.com/office/powerpoint/2010/main" val="1938958078"/>
+      </p:ext>
+    </p:extLst>
+  </p:cSld>
+  <p:clrMapOvr>
+    <a:masterClrMapping/>
+  </p:clrMapOvr>
+</p:notes>
+</file>
+
+<file path=ppt/notesSlides/notesSlide14.xml><?xml version="1.0" encoding="utf-8"?>
+<p:notes xmlns:a="http://schemas.openxmlformats.org/drawingml/2006/main" xmlns:r="http://schemas.openxmlformats.org/officeDocument/2006/relationships" xmlns:p="http://schemas.openxmlformats.org/presentationml/2006/main">
+  <p:cSld>
+    <p:spTree>
+      <p:nvGrpSpPr>
+        <p:cNvPr id="1" name=""/>
+        <p:cNvGrpSpPr/>
+        <p:nvPr/>
+      </p:nvGrpSpPr>
+      <p:grpSpPr>
+        <a:xfrm>
+          <a:off x="0" y="0"/>
+          <a:ext cx="0" cy="0"/>
+          <a:chOff x="0" y="0"/>
+          <a:chExt cx="0" cy="0"/>
+        </a:xfrm>
+      </p:grpSpPr>
+      <p:sp>
+        <p:nvSpPr>
+          <p:cNvPr id="2" name="投影片影像版面配置區 1"/>
+          <p:cNvSpPr>
+            <a:spLocks noGrp="1" noRot="1" noChangeAspect="1"/>
+          </p:cNvSpPr>
+          <p:nvPr>
+            <p:ph type="sldImg"/>
+          </p:nvPr>
+        </p:nvSpPr>
+        <p:spPr/>
+      </p:sp>
+      <p:sp>
+        <p:nvSpPr>
+          <p:cNvPr id="3" name="備忘稿版面配置區 2"/>
+          <p:cNvSpPr>
+            <a:spLocks noGrp="1"/>
+          </p:cNvSpPr>
+          <p:nvPr>
+            <p:ph type="body" idx="1"/>
+          </p:nvPr>
+        </p:nvSpPr>
+        <p:spPr/>
+        <p:txBody>
+          <a:bodyPr/>
+          <a:lstStyle/>
+          <a:p>
+            <a:pPr marL="0" marR="0" lvl="0" indent="0" algn="l" defTabSz="914400" rtl="0" eaLnBrk="1" fontAlgn="auto" latinLnBrk="0" hangingPunct="1">
+              <a:lnSpc>
+                <a:spcPct val="100000"/>
+              </a:lnSpc>
+              <a:spcBef>
+                <a:spcPts val="0"/>
+              </a:spcBef>
+              <a:spcAft>
+                <a:spcPts val="0"/>
+              </a:spcAft>
+              <a:buClrTx/>
+              <a:buSzTx/>
+              <a:buFontTx/>
+              <a:buNone/>
+              <a:tabLst/>
+              <a:defRPr/>
+            </a:pPr>
+            <a:r>
+              <a:rPr lang="zh-TW" altLang="en-US" dirty="0"/>
+              <a:t>在</a:t>
+            </a:r>
+            <a:r>
+              <a:rPr lang="en-US" altLang="zh-TW" sz="1200" b="1" dirty="0">
+                <a:solidFill>
+                  <a:schemeClr val="bg1"/>
+                </a:solidFill>
+              </a:rPr>
+              <a:t>Gaussian</a:t>
+            </a:r>
+            <a:r>
+              <a:rPr lang="zh-TW" altLang="en-US" sz="1200" b="1" dirty="0">
+                <a:solidFill>
+                  <a:schemeClr val="bg1"/>
+                </a:solidFill>
+              </a:rPr>
+              <a:t>係數</a:t>
+            </a:r>
+            <a:r>
+              <a:rPr lang="en-US" altLang="zh-TW" sz="1200" b="1" dirty="0">
+                <a:solidFill>
+                  <a:schemeClr val="bg1"/>
+                </a:solidFill>
+              </a:rPr>
+              <a:t>99 </a:t>
+            </a:r>
+            <a:r>
+              <a:rPr lang="zh-TW" altLang="en-US" sz="1200" b="1" dirty="0">
+                <a:solidFill>
+                  <a:schemeClr val="bg1"/>
+                </a:solidFill>
+              </a:rPr>
+              <a:t>訓練結果的正確率到了最低 只有</a:t>
+            </a:r>
+            <a:r>
+              <a:rPr lang="en-US" altLang="zh-TW" sz="1200" b="1" dirty="0">
+                <a:solidFill>
+                  <a:schemeClr val="bg1"/>
+                </a:solidFill>
+              </a:rPr>
+              <a:t>10%</a:t>
+            </a:r>
+            <a:endParaRPr lang="zh-TW" altLang="en-US" dirty="0"/>
+          </a:p>
+        </p:txBody>
+      </p:sp>
+      <p:sp>
+        <p:nvSpPr>
+          <p:cNvPr id="4" name="投影片編號版面配置區 3"/>
+          <p:cNvSpPr>
+            <a:spLocks noGrp="1"/>
+          </p:cNvSpPr>
+          <p:nvPr>
+            <p:ph type="sldNum" sz="quarter" idx="5"/>
+          </p:nvPr>
+        </p:nvSpPr>
+        <p:spPr/>
+        <p:txBody>
+          <a:bodyPr/>
+          <a:lstStyle/>
+          <a:p>
+            <a:fld id="{7C1C9512-D1C3-4BBF-A913-019D5FB6140E}" type="slidenum">
+              <a:rPr lang="zh-TW" altLang="en-US" smtClean="0"/>
+              <a:t>14</a:t>
+            </a:fld>
+            <a:endParaRPr lang="zh-TW" altLang="en-US"/>
+          </a:p>
+        </p:txBody>
+      </p:sp>
+    </p:spTree>
+    <p:extLst>
+      <p:ext uri="{BB962C8B-B14F-4D97-AF65-F5344CB8AC3E}">
+        <p14:creationId xmlns:p14="http://schemas.microsoft.com/office/powerpoint/2010/main" val="3615199761"/>
+      </p:ext>
+    </p:extLst>
+  </p:cSld>
+  <p:clrMapOvr>
+    <a:masterClrMapping/>
+  </p:clrMapOvr>
+</p:notes>
+</file>
+
+<file path=ppt/notesSlides/notesSlide15.xml><?xml version="1.0" encoding="utf-8"?>
+<p:notes xmlns:a="http://schemas.openxmlformats.org/drawingml/2006/main" xmlns:r="http://schemas.openxmlformats.org/officeDocument/2006/relationships" xmlns:p="http://schemas.openxmlformats.org/presentationml/2006/main">
+  <p:cSld>
+    <p:spTree>
+      <p:nvGrpSpPr>
+        <p:cNvPr id="1" name=""/>
+        <p:cNvGrpSpPr/>
+        <p:nvPr/>
+      </p:nvGrpSpPr>
+      <p:grpSpPr>
+        <a:xfrm>
+          <a:off x="0" y="0"/>
+          <a:ext cx="0" cy="0"/>
+          <a:chOff x="0" y="0"/>
+          <a:chExt cx="0" cy="0"/>
+        </a:xfrm>
+      </p:grpSpPr>
+      <p:sp>
+        <p:nvSpPr>
+          <p:cNvPr id="2" name="投影片影像版面配置區 1"/>
+          <p:cNvSpPr>
+            <a:spLocks noGrp="1" noRot="1" noChangeAspect="1"/>
+          </p:cNvSpPr>
+          <p:nvPr>
+            <p:ph type="sldImg"/>
+          </p:nvPr>
+        </p:nvSpPr>
+        <p:spPr/>
+      </p:sp>
+      <p:sp>
+        <p:nvSpPr>
+          <p:cNvPr id="3" name="備忘稿版面配置區 2"/>
+          <p:cNvSpPr>
+            <a:spLocks noGrp="1"/>
+          </p:cNvSpPr>
+          <p:nvPr>
+            <p:ph type="body" idx="1"/>
+          </p:nvPr>
+        </p:nvSpPr>
+        <p:spPr/>
+        <p:txBody>
+          <a:bodyPr/>
+          <a:lstStyle/>
+          <a:p>
+            <a:r>
+              <a:rPr lang="zh-TW" altLang="en-US" sz="1200" b="0" i="0" kern="1200" dirty="0">
+                <a:solidFill>
+                  <a:schemeClr val="tx1"/>
+                </a:solidFill>
+                <a:effectLst/>
+                <a:latin typeface="+mn-lt"/>
+                <a:ea typeface="+mn-ea"/>
+                <a:cs typeface="+mn-cs"/>
+              </a:rPr>
+              <a:t>我們最後實作人臉的識別</a:t>
+            </a:r>
+            <a:r>
+              <a:rPr lang="en-US" altLang="zh-TW" sz="1200" b="1" dirty="0"/>
+              <a:t>Neural Network </a:t>
+            </a:r>
+            <a:r>
+              <a:rPr lang="zh-TW" altLang="en-US" sz="1200" b="1" dirty="0"/>
+              <a:t> </a:t>
+            </a:r>
+            <a:r>
+              <a:rPr lang="en-US" altLang="zh-TW" sz="1200" b="1" dirty="0"/>
+              <a:t>AT&amp;T dataset</a:t>
+            </a:r>
+          </a:p>
+          <a:p>
+            <a:endParaRPr lang="en-US" altLang="zh-TW" sz="1200" b="0" i="0" kern="1200" dirty="0">
+              <a:solidFill>
+                <a:schemeClr val="tx1"/>
+              </a:solidFill>
+              <a:effectLst/>
+              <a:latin typeface="+mn-lt"/>
+              <a:ea typeface="+mn-ea"/>
+              <a:cs typeface="+mn-cs"/>
+            </a:endParaRPr>
+          </a:p>
+          <a:p>
+            <a:pPr marL="0" marR="0" lvl="0" indent="0" algn="l" defTabSz="914400" rtl="0" eaLnBrk="1" fontAlgn="auto" latinLnBrk="0" hangingPunct="1">
+              <a:lnSpc>
+                <a:spcPct val="100000"/>
+              </a:lnSpc>
+              <a:spcBef>
+                <a:spcPts val="0"/>
+              </a:spcBef>
+              <a:spcAft>
+                <a:spcPts val="0"/>
+              </a:spcAft>
+              <a:buClrTx/>
+              <a:buSzTx/>
+              <a:buFontTx/>
+              <a:buNone/>
+              <a:tabLst/>
+              <a:defRPr/>
+            </a:pPr>
+            <a:r>
+              <a:rPr lang="zh-TW" altLang="en-US" sz="1200" b="0" i="0" kern="1200" dirty="0">
+                <a:solidFill>
+                  <a:schemeClr val="tx1"/>
+                </a:solidFill>
+                <a:effectLst/>
+                <a:latin typeface="+mn-lt"/>
+                <a:ea typeface="+mn-ea"/>
+                <a:cs typeface="+mn-cs"/>
+              </a:rPr>
+              <a:t>用</a:t>
+            </a:r>
+            <a:r>
+              <a:rPr lang="en-US" altLang="zh-TW" sz="1200" b="0" i="0" kern="1200" dirty="0">
+                <a:solidFill>
+                  <a:schemeClr val="tx1"/>
+                </a:solidFill>
+                <a:effectLst/>
+                <a:latin typeface="+mn-lt"/>
+                <a:ea typeface="+mn-ea"/>
+                <a:cs typeface="+mn-cs"/>
+              </a:rPr>
+              <a:t>mat</a:t>
+            </a:r>
+            <a:r>
+              <a:rPr lang="zh-TW" altLang="en-US" sz="1200" b="0" i="0" kern="1200" dirty="0">
+                <a:solidFill>
+                  <a:schemeClr val="tx1"/>
+                </a:solidFill>
+                <a:effectLst/>
+                <a:latin typeface="+mn-lt"/>
+                <a:ea typeface="+mn-ea"/>
+                <a:cs typeface="+mn-cs"/>
+              </a:rPr>
+              <a:t> </a:t>
+            </a:r>
+            <a:r>
+              <a:rPr lang="en-US" altLang="zh-TW" sz="1200" b="0" i="0" kern="1200" dirty="0">
+                <a:solidFill>
+                  <a:schemeClr val="tx1"/>
+                </a:solidFill>
+                <a:effectLst/>
+                <a:latin typeface="+mn-lt"/>
+                <a:ea typeface="+mn-ea"/>
+                <a:cs typeface="+mn-cs"/>
+              </a:rPr>
+              <a:t>plot</a:t>
+            </a:r>
+            <a:r>
+              <a:rPr lang="zh-TW" altLang="en-US" sz="1200" b="0" i="0" kern="1200" dirty="0">
+                <a:solidFill>
+                  <a:schemeClr val="tx1"/>
+                </a:solidFill>
+                <a:effectLst/>
+                <a:latin typeface="+mn-lt"/>
+                <a:ea typeface="+mn-ea"/>
+                <a:cs typeface="+mn-cs"/>
+              </a:rPr>
+              <a:t> </a:t>
+            </a:r>
+            <a:r>
+              <a:rPr lang="en-US" altLang="zh-TW" sz="1200" b="0" i="0" kern="1200" dirty="0">
+                <a:solidFill>
+                  <a:schemeClr val="tx1"/>
+                </a:solidFill>
+                <a:effectLst/>
+                <a:latin typeface="+mn-lt"/>
+                <a:ea typeface="+mn-ea"/>
+                <a:cs typeface="+mn-cs"/>
+              </a:rPr>
+              <a:t>library</a:t>
+            </a:r>
+            <a:r>
+              <a:rPr lang="zh-TW" altLang="en-US" sz="1200" b="0" i="0" kern="1200" dirty="0">
+                <a:solidFill>
+                  <a:schemeClr val="tx1"/>
+                </a:solidFill>
+                <a:effectLst/>
+                <a:latin typeface="+mn-lt"/>
+                <a:ea typeface="+mn-ea"/>
+                <a:cs typeface="+mn-cs"/>
+              </a:rPr>
+              <a:t>為一個</a:t>
+            </a:r>
+            <a:r>
+              <a:rPr lang="en-US" altLang="zh-TW" sz="1200" b="0" i="0" kern="1200" dirty="0">
+                <a:solidFill>
+                  <a:schemeClr val="tx1"/>
+                </a:solidFill>
+                <a:effectLst/>
+                <a:latin typeface="+mn-lt"/>
+                <a:ea typeface="+mn-ea"/>
+                <a:cs typeface="+mn-cs"/>
+              </a:rPr>
+              <a:t>CNN</a:t>
+            </a:r>
+            <a:r>
+              <a:rPr lang="zh-TW" altLang="en-US" sz="1200" b="0" i="0" kern="1200" dirty="0">
+                <a:solidFill>
+                  <a:schemeClr val="tx1"/>
+                </a:solidFill>
+                <a:effectLst/>
+                <a:latin typeface="+mn-lt"/>
+                <a:ea typeface="+mn-ea"/>
+                <a:cs typeface="+mn-cs"/>
+              </a:rPr>
+              <a:t>模型繪製</a:t>
+            </a:r>
+            <a:r>
+              <a:rPr lang="en-US" altLang="zh-TW" sz="1200" dirty="0">
+                <a:solidFill>
+                  <a:schemeClr val="bg1"/>
+                </a:solidFill>
+              </a:rPr>
+              <a:t>Loss function change curve</a:t>
+            </a:r>
+            <a:r>
+              <a:rPr lang="zh-TW" altLang="en-US" sz="1200" b="0" i="0" kern="1200" dirty="0">
+                <a:solidFill>
+                  <a:schemeClr val="tx1"/>
+                </a:solidFill>
+                <a:effectLst/>
+                <a:latin typeface="+mn-lt"/>
+                <a:ea typeface="+mn-ea"/>
+                <a:cs typeface="+mn-cs"/>
+              </a:rPr>
+              <a:t>，</a:t>
+            </a:r>
+            <a:r>
+              <a:rPr lang="en-US" altLang="zh-TW" sz="1200" b="0" i="0" kern="1200" dirty="0">
+                <a:solidFill>
+                  <a:schemeClr val="tx1"/>
+                </a:solidFill>
+                <a:effectLst/>
+                <a:latin typeface="+mn-lt"/>
+                <a:ea typeface="+mn-ea"/>
+                <a:cs typeface="+mn-cs"/>
+              </a:rPr>
+              <a:t>history</a:t>
+            </a:r>
+            <a:r>
+              <a:rPr lang="zh-TW" altLang="en-US" sz="1200" b="0" i="0" kern="1200" dirty="0">
+                <a:solidFill>
+                  <a:schemeClr val="tx1"/>
+                </a:solidFill>
+                <a:effectLst/>
+                <a:latin typeface="+mn-lt"/>
+                <a:ea typeface="+mn-ea"/>
+                <a:cs typeface="+mn-cs"/>
+              </a:rPr>
+              <a:t>儲存了模型的訓練結果，</a:t>
+            </a:r>
+            <a:r>
+              <a:rPr lang="zh-TW" altLang="en-US" dirty="0"/>
+              <a:t>縱軸是</a:t>
+            </a:r>
+            <a:r>
+              <a:rPr lang="en-US" altLang="zh-TW" dirty="0"/>
+              <a:t>Current loss </a:t>
+            </a:r>
+            <a:r>
+              <a:rPr lang="zh-TW" altLang="en-US" dirty="0"/>
+              <a:t>橫軸是</a:t>
+            </a:r>
+            <a:r>
+              <a:rPr lang="en-US" altLang="zh-TW" dirty="0"/>
+              <a:t>epoch function</a:t>
+            </a:r>
+          </a:p>
+          <a:p>
+            <a:endParaRPr lang="en-US" altLang="zh-TW" dirty="0"/>
+          </a:p>
+          <a:p>
+            <a:r>
+              <a:rPr lang="en-US" altLang="zh-TW" dirty="0"/>
+              <a:t>AT&amp;T </a:t>
+            </a:r>
+            <a:r>
+              <a:rPr lang="zh-TW" altLang="en-US" dirty="0"/>
+              <a:t>數據集相對較小，只有 </a:t>
+            </a:r>
+            <a:r>
+              <a:rPr lang="en-US" altLang="zh-TW" dirty="0"/>
+              <a:t>40 </a:t>
+            </a:r>
+            <a:r>
+              <a:rPr lang="zh-TW" altLang="en-US" dirty="0"/>
+              <a:t>種圖像，每種圖像只有 </a:t>
+            </a:r>
+            <a:r>
+              <a:rPr lang="en-US" altLang="zh-TW" dirty="0"/>
+              <a:t>10 </a:t>
+            </a:r>
+            <a:r>
+              <a:rPr lang="zh-TW" altLang="en-US" dirty="0"/>
+              <a:t>張圖像。</a:t>
+            </a:r>
+            <a:endParaRPr lang="en-US" altLang="zh-TW" dirty="0"/>
+          </a:p>
+          <a:p>
+            <a:endParaRPr lang="en-US" altLang="zh-TW" dirty="0"/>
+          </a:p>
+          <a:p>
+            <a:r>
+              <a:rPr lang="zh-TW" altLang="en-US" dirty="0"/>
+              <a:t>雖然較小的</a:t>
+            </a:r>
+            <a:r>
+              <a:rPr lang="en-US" altLang="zh-TW" dirty="0"/>
+              <a:t>batch size</a:t>
+            </a:r>
+            <a:r>
+              <a:rPr lang="zh-TW" altLang="en-US" dirty="0"/>
+              <a:t>有時可能會提高模型的訓練速度和收斂速度，但這並不意味著一定會導致更高的準確率。</a:t>
+            </a:r>
+          </a:p>
+          <a:p>
+            <a:endParaRPr lang="zh-TW" altLang="en-US" dirty="0"/>
+          </a:p>
+          <a:p>
+            <a:r>
+              <a:rPr lang="zh-TW" altLang="en-US" dirty="0"/>
+              <a:t>在訓練</a:t>
+            </a:r>
+            <a:r>
+              <a:rPr lang="en-US" altLang="zh-TW" sz="1200" b="1" dirty="0"/>
+              <a:t>Neural Network</a:t>
+            </a:r>
+            <a:r>
+              <a:rPr lang="zh-TW" altLang="en-US" dirty="0"/>
+              <a:t>時，使用較小的</a:t>
+            </a:r>
+            <a:r>
+              <a:rPr lang="en-US" altLang="zh-TW" dirty="0"/>
+              <a:t>batch size</a:t>
+            </a:r>
+            <a:r>
+              <a:rPr lang="zh-TW" altLang="en-US" dirty="0"/>
+              <a:t>可能會導致訓練過程中的</a:t>
+            </a:r>
+            <a:r>
+              <a:rPr lang="en-US" altLang="zh-TW" sz="1200" dirty="0">
+                <a:solidFill>
+                  <a:schemeClr val="bg1"/>
+                </a:solidFill>
+              </a:rPr>
+              <a:t>Gaussian</a:t>
+            </a:r>
+            <a:r>
+              <a:rPr lang="zh-TW" altLang="en-US" sz="1200" dirty="0">
+                <a:solidFill>
+                  <a:schemeClr val="bg1"/>
+                </a:solidFill>
+              </a:rPr>
+              <a:t>或干擾的效果</a:t>
+            </a:r>
+            <a:r>
+              <a:rPr lang="zh-TW" altLang="en-US" dirty="0"/>
+              <a:t>更加明顯，</a:t>
+            </a:r>
+          </a:p>
+          <a:p>
+            <a:r>
+              <a:rPr lang="zh-TW" altLang="en-US" dirty="0"/>
+              <a:t>因此對於較小的數據集，選擇較小的</a:t>
+            </a:r>
+            <a:r>
+              <a:rPr lang="en-US" altLang="zh-TW" dirty="0"/>
+              <a:t>batch size</a:t>
+            </a:r>
+            <a:r>
+              <a:rPr lang="zh-TW" altLang="en-US" dirty="0"/>
+              <a:t>可能更為合適，對於</a:t>
+            </a:r>
+            <a:r>
+              <a:rPr lang="en-US" altLang="zh-TW" dirty="0"/>
+              <a:t>AT&amp;T</a:t>
+            </a:r>
+            <a:r>
+              <a:rPr lang="zh-TW" altLang="en-US" dirty="0"/>
+              <a:t>數據集，</a:t>
+            </a:r>
+            <a:r>
+              <a:rPr lang="en-US" altLang="zh-TW" dirty="0"/>
+              <a:t>batch size</a:t>
+            </a:r>
+            <a:r>
+              <a:rPr lang="zh-TW" altLang="en-US" dirty="0"/>
+              <a:t>，比如</a:t>
+            </a:r>
+            <a:r>
+              <a:rPr lang="en-US" altLang="zh-TW" dirty="0"/>
+              <a:t>16</a:t>
+            </a:r>
+            <a:r>
+              <a:rPr lang="zh-TW" altLang="en-US" dirty="0"/>
+              <a:t>或</a:t>
+            </a:r>
+            <a:r>
+              <a:rPr lang="en-US" altLang="zh-TW" dirty="0"/>
+              <a:t>32</a:t>
+            </a:r>
+            <a:r>
+              <a:rPr lang="zh-TW" altLang="en-US" dirty="0"/>
+              <a:t>，我們這張圖是用</a:t>
+            </a:r>
+            <a:r>
+              <a:rPr lang="en-US" altLang="zh-TW" dirty="0"/>
+              <a:t>10</a:t>
+            </a:r>
+          </a:p>
+          <a:p>
+            <a:endParaRPr lang="en-US" altLang="zh-TW" dirty="0"/>
+          </a:p>
+          <a:p>
+            <a:r>
+              <a:rPr lang="zh-TW" altLang="en-US" dirty="0"/>
+              <a:t>模型可能在</a:t>
+            </a:r>
+            <a:r>
+              <a:rPr lang="en-US" altLang="zh-TW" dirty="0"/>
+              <a:t>epoch</a:t>
+            </a:r>
+            <a:r>
+              <a:rPr lang="zh-TW" altLang="en-US" dirty="0"/>
+              <a:t>數小就可以收斂到比較好的結果。</a:t>
+            </a:r>
+            <a:endParaRPr lang="en-US" altLang="zh-TW" dirty="0"/>
+          </a:p>
+          <a:p>
+            <a:pPr marL="0" marR="0" lvl="0" indent="0" algn="l" defTabSz="914400" rtl="0" eaLnBrk="1" fontAlgn="auto" latinLnBrk="0" hangingPunct="1">
+              <a:lnSpc>
+                <a:spcPct val="100000"/>
+              </a:lnSpc>
+              <a:spcBef>
+                <a:spcPts val="0"/>
+              </a:spcBef>
+              <a:spcAft>
+                <a:spcPts val="0"/>
+              </a:spcAft>
+              <a:buClrTx/>
+              <a:buSzTx/>
+              <a:buFontTx/>
+              <a:buNone/>
+              <a:tabLst/>
+              <a:defRPr/>
+            </a:pPr>
+            <a:r>
+              <a:rPr lang="zh-TW" altLang="en-US" dirty="0"/>
+              <a:t>這是在還沒有 </a:t>
+            </a:r>
+            <a:r>
+              <a:rPr lang="en-US" altLang="zh-TW" sz="1200" dirty="0">
+                <a:solidFill>
+                  <a:schemeClr val="bg1"/>
+                </a:solidFill>
+              </a:rPr>
+              <a:t>Gaussian</a:t>
+            </a:r>
+            <a:r>
+              <a:rPr lang="zh-TW" altLang="en-US" sz="1200" dirty="0">
+                <a:solidFill>
+                  <a:schemeClr val="bg1"/>
+                </a:solidFill>
+              </a:rPr>
+              <a:t> </a:t>
+            </a:r>
+            <a:r>
+              <a:rPr lang="en-US" altLang="zh-TW" sz="1200" dirty="0">
+                <a:solidFill>
+                  <a:schemeClr val="bg1"/>
+                </a:solidFill>
+              </a:rPr>
+              <a:t>blur </a:t>
+            </a:r>
+            <a:r>
+              <a:rPr lang="zh-TW" altLang="en-US" sz="1200" dirty="0">
+                <a:solidFill>
+                  <a:schemeClr val="bg1"/>
+                </a:solidFill>
+              </a:rPr>
+              <a:t>隨著</a:t>
+            </a:r>
+            <a:r>
+              <a:rPr lang="en-US" altLang="zh-TW" dirty="0"/>
+              <a:t>epoch</a:t>
+            </a:r>
+            <a:r>
+              <a:rPr lang="zh-TW" altLang="en-US" sz="1200" dirty="0">
+                <a:solidFill>
+                  <a:schemeClr val="tx1"/>
+                </a:solidFill>
+              </a:rPr>
+              <a:t>，</a:t>
+            </a:r>
+            <a:r>
+              <a:rPr lang="en-US" altLang="zh-TW" sz="1200" dirty="0">
+                <a:solidFill>
+                  <a:schemeClr val="tx1"/>
+                </a:solidFill>
+              </a:rPr>
+              <a:t>current </a:t>
+            </a:r>
+            <a:r>
+              <a:rPr lang="zh-TW" altLang="en-US" sz="1200" dirty="0">
+                <a:solidFill>
+                  <a:schemeClr val="bg1"/>
+                </a:solidFill>
+              </a:rPr>
+              <a:t> </a:t>
+            </a:r>
+            <a:r>
+              <a:rPr lang="en-US" altLang="zh-TW" sz="1200" dirty="0">
+                <a:solidFill>
+                  <a:schemeClr val="bg1"/>
+                </a:solidFill>
+              </a:rPr>
+              <a:t>loss</a:t>
+            </a:r>
+            <a:r>
+              <a:rPr lang="zh-TW" altLang="en-US" sz="1200" dirty="0">
+                <a:solidFill>
+                  <a:schemeClr val="bg1"/>
+                </a:solidFill>
+              </a:rPr>
+              <a:t>有越來越低的情形</a:t>
+            </a:r>
+            <a:r>
+              <a:rPr lang="en-US" altLang="zh-TW" sz="1200" dirty="0">
+                <a:solidFill>
+                  <a:schemeClr val="bg1"/>
+                </a:solidFill>
+              </a:rPr>
+              <a:t> </a:t>
+            </a:r>
+            <a:endParaRPr lang="en-US" altLang="zh-TW" dirty="0"/>
+          </a:p>
+          <a:p>
+            <a:endParaRPr lang="en-US" altLang="zh-TW" dirty="0"/>
+          </a:p>
+          <a:p>
+            <a:endParaRPr lang="zh-TW" altLang="en-US" dirty="0"/>
+          </a:p>
+        </p:txBody>
+      </p:sp>
+      <p:sp>
+        <p:nvSpPr>
+          <p:cNvPr id="4" name="投影片編號版面配置區 3"/>
+          <p:cNvSpPr>
+            <a:spLocks noGrp="1"/>
+          </p:cNvSpPr>
+          <p:nvPr>
+            <p:ph type="sldNum" sz="quarter" idx="5"/>
+          </p:nvPr>
+        </p:nvSpPr>
+        <p:spPr/>
+        <p:txBody>
+          <a:bodyPr/>
+          <a:lstStyle/>
+          <a:p>
+            <a:fld id="{7C1C9512-D1C3-4BBF-A913-019D5FB6140E}" type="slidenum">
+              <a:rPr lang="zh-TW" altLang="en-US" smtClean="0"/>
+              <a:t>15</a:t>
+            </a:fld>
+            <a:endParaRPr lang="zh-TW" altLang="en-US"/>
+          </a:p>
+        </p:txBody>
+      </p:sp>
+    </p:spTree>
+    <p:extLst>
+      <p:ext uri="{BB962C8B-B14F-4D97-AF65-F5344CB8AC3E}">
+        <p14:creationId xmlns:p14="http://schemas.microsoft.com/office/powerpoint/2010/main" val="3211994816"/>
+      </p:ext>
+    </p:extLst>
+  </p:cSld>
+  <p:clrMapOvr>
+    <a:masterClrMapping/>
+  </p:clrMapOvr>
+</p:notes>
+</file>
+
+<file path=ppt/notesSlides/notesSlide16.xml><?xml version="1.0" encoding="utf-8"?>
+<p:notes xmlns:a="http://schemas.openxmlformats.org/drawingml/2006/main" xmlns:r="http://schemas.openxmlformats.org/officeDocument/2006/relationships" xmlns:p="http://schemas.openxmlformats.org/presentationml/2006/main">
+  <p:cSld>
+    <p:spTree>
+      <p:nvGrpSpPr>
+        <p:cNvPr id="1" name=""/>
+        <p:cNvGrpSpPr/>
+        <p:nvPr/>
+      </p:nvGrpSpPr>
+      <p:grpSpPr>
+        <a:xfrm>
+          <a:off x="0" y="0"/>
+          <a:ext cx="0" cy="0"/>
+          <a:chOff x="0" y="0"/>
+          <a:chExt cx="0" cy="0"/>
+        </a:xfrm>
+      </p:grpSpPr>
+      <p:sp>
+        <p:nvSpPr>
+          <p:cNvPr id="2" name="投影片影像版面配置區 1"/>
+          <p:cNvSpPr>
+            <a:spLocks noGrp="1" noRot="1" noChangeAspect="1"/>
+          </p:cNvSpPr>
+          <p:nvPr>
+            <p:ph type="sldImg"/>
+          </p:nvPr>
+        </p:nvSpPr>
+        <p:spPr/>
+      </p:sp>
+      <p:sp>
+        <p:nvSpPr>
+          <p:cNvPr id="3" name="備忘稿版面配置區 2"/>
+          <p:cNvSpPr>
+            <a:spLocks noGrp="1"/>
+          </p:cNvSpPr>
+          <p:nvPr>
+            <p:ph type="body" idx="1"/>
+          </p:nvPr>
+        </p:nvSpPr>
+        <p:spPr/>
+        <p:txBody>
+          <a:bodyPr/>
+          <a:lstStyle/>
+          <a:p>
+            <a:pPr marL="0" marR="0" lvl="0" indent="0" algn="l" defTabSz="914400" rtl="0" eaLnBrk="1" fontAlgn="auto" latinLnBrk="0" hangingPunct="1">
+              <a:lnSpc>
+                <a:spcPct val="100000"/>
+              </a:lnSpc>
+              <a:spcBef>
+                <a:spcPts val="0"/>
+              </a:spcBef>
+              <a:spcAft>
+                <a:spcPts val="0"/>
+              </a:spcAft>
+              <a:buClrTx/>
+              <a:buSzTx/>
+              <a:buFontTx/>
+              <a:buNone/>
+              <a:tabLst/>
+              <a:defRPr/>
+            </a:pPr>
+            <a:r>
+              <a:rPr lang="zh-TW" altLang="en-US" dirty="0"/>
+              <a:t>在</a:t>
+            </a:r>
+            <a:r>
+              <a:rPr lang="en-US" altLang="zh-TW" sz="1200" b="1" dirty="0">
+                <a:solidFill>
+                  <a:schemeClr val="bg1"/>
+                </a:solidFill>
+              </a:rPr>
+              <a:t>Gaussian</a:t>
+            </a:r>
+            <a:r>
+              <a:rPr lang="zh-TW" altLang="en-US" sz="1200" b="1" dirty="0">
+                <a:solidFill>
+                  <a:schemeClr val="bg1"/>
+                </a:solidFill>
+              </a:rPr>
+              <a:t>係數</a:t>
+            </a:r>
+            <a:r>
+              <a:rPr lang="en-US" altLang="zh-TW" sz="1200" b="1" dirty="0">
+                <a:solidFill>
+                  <a:schemeClr val="bg1"/>
+                </a:solidFill>
+              </a:rPr>
+              <a:t>15 Training</a:t>
+            </a:r>
+            <a:r>
+              <a:rPr lang="zh-TW" altLang="en-US" sz="1200" b="1" dirty="0">
+                <a:solidFill>
+                  <a:schemeClr val="bg1"/>
+                </a:solidFill>
+              </a:rPr>
+              <a:t>結果的正確率是</a:t>
+            </a:r>
+            <a:r>
+              <a:rPr lang="en-US" altLang="zh-TW" sz="1200" b="1" dirty="0">
+                <a:solidFill>
+                  <a:schemeClr val="bg1"/>
+                </a:solidFill>
+              </a:rPr>
+              <a:t>26%</a:t>
+            </a:r>
+            <a:r>
+              <a:rPr lang="zh-TW" altLang="en-US" sz="1200" b="1" dirty="0">
+                <a:solidFill>
+                  <a:schemeClr val="bg1"/>
+                </a:solidFill>
+              </a:rPr>
+              <a:t>左右</a:t>
+            </a:r>
+            <a:endParaRPr lang="zh-TW" altLang="en-US" dirty="0"/>
+          </a:p>
+          <a:p>
+            <a:endParaRPr lang="zh-TW" altLang="en-US" dirty="0"/>
+          </a:p>
+        </p:txBody>
+      </p:sp>
+      <p:sp>
+        <p:nvSpPr>
+          <p:cNvPr id="4" name="投影片編號版面配置區 3"/>
+          <p:cNvSpPr>
+            <a:spLocks noGrp="1"/>
+          </p:cNvSpPr>
+          <p:nvPr>
+            <p:ph type="sldNum" sz="quarter" idx="5"/>
+          </p:nvPr>
+        </p:nvSpPr>
+        <p:spPr/>
+        <p:txBody>
+          <a:bodyPr/>
+          <a:lstStyle/>
+          <a:p>
+            <a:fld id="{7C1C9512-D1C3-4BBF-A913-019D5FB6140E}" type="slidenum">
+              <a:rPr lang="zh-TW" altLang="en-US" smtClean="0"/>
+              <a:t>16</a:t>
+            </a:fld>
+            <a:endParaRPr lang="zh-TW" altLang="en-US"/>
+          </a:p>
+        </p:txBody>
+      </p:sp>
+    </p:spTree>
+    <p:extLst>
+      <p:ext uri="{BB962C8B-B14F-4D97-AF65-F5344CB8AC3E}">
+        <p14:creationId xmlns:p14="http://schemas.microsoft.com/office/powerpoint/2010/main" val="2100869306"/>
+      </p:ext>
+    </p:extLst>
+  </p:cSld>
+  <p:clrMapOvr>
+    <a:masterClrMapping/>
+  </p:clrMapOvr>
+</p:notes>
+</file>
+
+<file path=ppt/notesSlides/notesSlide17.xml><?xml version="1.0" encoding="utf-8"?>
+<p:notes xmlns:a="http://schemas.openxmlformats.org/drawingml/2006/main" xmlns:r="http://schemas.openxmlformats.org/officeDocument/2006/relationships" xmlns:p="http://schemas.openxmlformats.org/presentationml/2006/main">
+  <p:cSld>
+    <p:spTree>
+      <p:nvGrpSpPr>
+        <p:cNvPr id="1" name=""/>
+        <p:cNvGrpSpPr/>
+        <p:nvPr/>
+      </p:nvGrpSpPr>
+      <p:grpSpPr>
+        <a:xfrm>
+          <a:off x="0" y="0"/>
+          <a:ext cx="0" cy="0"/>
+          <a:chOff x="0" y="0"/>
+          <a:chExt cx="0" cy="0"/>
+        </a:xfrm>
+      </p:grpSpPr>
+      <p:sp>
+        <p:nvSpPr>
+          <p:cNvPr id="2" name="投影片影像版面配置區 1"/>
+          <p:cNvSpPr>
+            <a:spLocks noGrp="1" noRot="1" noChangeAspect="1"/>
+          </p:cNvSpPr>
+          <p:nvPr>
+            <p:ph type="sldImg"/>
+          </p:nvPr>
+        </p:nvSpPr>
+        <p:spPr/>
+      </p:sp>
+      <p:sp>
+        <p:nvSpPr>
+          <p:cNvPr id="3" name="備忘稿版面配置區 2"/>
+          <p:cNvSpPr>
+            <a:spLocks noGrp="1"/>
+          </p:cNvSpPr>
+          <p:nvPr>
+            <p:ph type="body" idx="1"/>
+          </p:nvPr>
+        </p:nvSpPr>
+        <p:spPr/>
+        <p:txBody>
+          <a:bodyPr/>
+          <a:lstStyle/>
+          <a:p>
+            <a:pPr marL="0" marR="0" lvl="0" indent="0" algn="l" defTabSz="914400" rtl="0" eaLnBrk="1" fontAlgn="auto" latinLnBrk="0" hangingPunct="1">
+              <a:lnSpc>
+                <a:spcPct val="100000"/>
+              </a:lnSpc>
+              <a:spcBef>
+                <a:spcPts val="0"/>
+              </a:spcBef>
+              <a:spcAft>
+                <a:spcPts val="0"/>
+              </a:spcAft>
+              <a:buClrTx/>
+              <a:buSzTx/>
+              <a:buFontTx/>
+              <a:buNone/>
+              <a:tabLst/>
+              <a:defRPr/>
+            </a:pPr>
+            <a:r>
+              <a:rPr lang="en-US" altLang="zh-TW" sz="1200" b="1" dirty="0">
+                <a:solidFill>
+                  <a:schemeClr val="bg1"/>
+                </a:solidFill>
+              </a:rPr>
+              <a:t>Loss function change curve</a:t>
+            </a:r>
+          </a:p>
+          <a:p>
+            <a:pPr marL="0" marR="0" lvl="0" indent="0" algn="l" defTabSz="914400" rtl="0" eaLnBrk="1" fontAlgn="auto" latinLnBrk="0" hangingPunct="1">
+              <a:lnSpc>
+                <a:spcPct val="100000"/>
+              </a:lnSpc>
+              <a:spcBef>
+                <a:spcPts val="0"/>
+              </a:spcBef>
+              <a:spcAft>
+                <a:spcPts val="0"/>
+              </a:spcAft>
+              <a:buClrTx/>
+              <a:buSzTx/>
+              <a:buFontTx/>
+              <a:buNone/>
+              <a:tabLst/>
+              <a:defRPr/>
+            </a:pPr>
+            <a:r>
+              <a:rPr lang="zh-TW" altLang="en-US" sz="1200" b="1" dirty="0">
+                <a:solidFill>
+                  <a:schemeClr val="bg1"/>
+                </a:solidFill>
+              </a:rPr>
+              <a:t> </a:t>
+            </a:r>
+            <a:r>
+              <a:rPr lang="en-US" altLang="zh-TW" sz="1200" dirty="0">
+                <a:solidFill>
+                  <a:schemeClr val="tx1"/>
+                </a:solidFill>
+              </a:rPr>
+              <a:t>current </a:t>
+            </a:r>
+            <a:r>
+              <a:rPr lang="zh-TW" altLang="en-US" sz="1200" dirty="0">
+                <a:solidFill>
+                  <a:schemeClr val="bg1"/>
+                </a:solidFill>
+              </a:rPr>
+              <a:t> </a:t>
+            </a:r>
+            <a:r>
+              <a:rPr lang="en-US" altLang="zh-TW" sz="1200" dirty="0">
+                <a:solidFill>
+                  <a:schemeClr val="bg1"/>
+                </a:solidFill>
+              </a:rPr>
+              <a:t>loss</a:t>
+            </a:r>
+            <a:r>
+              <a:rPr lang="zh-TW" altLang="en-US" sz="1200" dirty="0">
+                <a:solidFill>
+                  <a:schemeClr val="bg1"/>
+                </a:solidFill>
+              </a:rPr>
+              <a:t>下降的趨勢就沒有那麼明顯</a:t>
+            </a:r>
+            <a:endParaRPr lang="en-US" altLang="zh-TW" sz="1200" b="1" dirty="0">
+              <a:solidFill>
+                <a:schemeClr val="bg1"/>
+              </a:solidFill>
+            </a:endParaRPr>
+          </a:p>
+          <a:p>
+            <a:endParaRPr lang="zh-TW" altLang="en-US" dirty="0"/>
+          </a:p>
+        </p:txBody>
+      </p:sp>
+      <p:sp>
+        <p:nvSpPr>
+          <p:cNvPr id="4" name="投影片編號版面配置區 3"/>
+          <p:cNvSpPr>
+            <a:spLocks noGrp="1"/>
+          </p:cNvSpPr>
+          <p:nvPr>
+            <p:ph type="sldNum" sz="quarter" idx="5"/>
+          </p:nvPr>
+        </p:nvSpPr>
+        <p:spPr/>
+        <p:txBody>
+          <a:bodyPr/>
+          <a:lstStyle/>
+          <a:p>
+            <a:fld id="{7C1C9512-D1C3-4BBF-A913-019D5FB6140E}" type="slidenum">
+              <a:rPr lang="zh-TW" altLang="en-US" smtClean="0"/>
+              <a:t>17</a:t>
+            </a:fld>
+            <a:endParaRPr lang="zh-TW" altLang="en-US"/>
+          </a:p>
+        </p:txBody>
+      </p:sp>
+    </p:spTree>
+    <p:extLst>
+      <p:ext uri="{BB962C8B-B14F-4D97-AF65-F5344CB8AC3E}">
+        <p14:creationId xmlns:p14="http://schemas.microsoft.com/office/powerpoint/2010/main" val="2849465891"/>
+      </p:ext>
+    </p:extLst>
+  </p:cSld>
+  <p:clrMapOvr>
+    <a:masterClrMapping/>
+  </p:clrMapOvr>
+</p:notes>
+</file>
+
+<file path=ppt/notesSlides/notesSlide18.xml><?xml version="1.0" encoding="utf-8"?>
+<p:notes xmlns:a="http://schemas.openxmlformats.org/drawingml/2006/main" xmlns:r="http://schemas.openxmlformats.org/officeDocument/2006/relationships" xmlns:p="http://schemas.openxmlformats.org/presentationml/2006/main">
+  <p:cSld>
+    <p:spTree>
+      <p:nvGrpSpPr>
+        <p:cNvPr id="1" name=""/>
+        <p:cNvGrpSpPr/>
+        <p:nvPr/>
+      </p:nvGrpSpPr>
+      <p:grpSpPr>
+        <a:xfrm>
+          <a:off x="0" y="0"/>
+          <a:ext cx="0" cy="0"/>
+          <a:chOff x="0" y="0"/>
+          <a:chExt cx="0" cy="0"/>
+        </a:xfrm>
+      </p:grpSpPr>
+      <p:sp>
+        <p:nvSpPr>
+          <p:cNvPr id="2" name="投影片影像版面配置區 1"/>
+          <p:cNvSpPr>
+            <a:spLocks noGrp="1" noRot="1" noChangeAspect="1"/>
+          </p:cNvSpPr>
+          <p:nvPr>
+            <p:ph type="sldImg"/>
+          </p:nvPr>
+        </p:nvSpPr>
+        <p:spPr/>
+      </p:sp>
+      <p:sp>
+        <p:nvSpPr>
+          <p:cNvPr id="3" name="備忘稿版面配置區 2"/>
+          <p:cNvSpPr>
+            <a:spLocks noGrp="1"/>
+          </p:cNvSpPr>
+          <p:nvPr>
+            <p:ph type="body" idx="1"/>
+          </p:nvPr>
+        </p:nvSpPr>
+        <p:spPr/>
+        <p:txBody>
+          <a:bodyPr/>
+          <a:lstStyle/>
+          <a:p>
+            <a:pPr marL="0" marR="0" lvl="0" indent="0" algn="l" defTabSz="914400" rtl="0" eaLnBrk="1" fontAlgn="auto" latinLnBrk="0" hangingPunct="1">
+              <a:lnSpc>
+                <a:spcPct val="100000"/>
+              </a:lnSpc>
+              <a:spcBef>
+                <a:spcPts val="0"/>
+              </a:spcBef>
+              <a:spcAft>
+                <a:spcPts val="0"/>
+              </a:spcAft>
+              <a:buClrTx/>
+              <a:buSzTx/>
+              <a:buFontTx/>
+              <a:buNone/>
+              <a:tabLst/>
+              <a:defRPr/>
+            </a:pPr>
+            <a:r>
+              <a:rPr lang="zh-TW" altLang="en-US" dirty="0"/>
+              <a:t>在</a:t>
+            </a:r>
+            <a:r>
+              <a:rPr lang="en-US" altLang="zh-TW" sz="1200" b="1" dirty="0">
+                <a:solidFill>
+                  <a:schemeClr val="bg1"/>
+                </a:solidFill>
+              </a:rPr>
+              <a:t>Gaussian</a:t>
+            </a:r>
+            <a:r>
+              <a:rPr lang="zh-TW" altLang="en-US" sz="1200" b="1" dirty="0">
+                <a:solidFill>
+                  <a:schemeClr val="bg1"/>
+                </a:solidFill>
+              </a:rPr>
+              <a:t>係數</a:t>
+            </a:r>
+            <a:r>
+              <a:rPr lang="en-US" altLang="zh-TW" sz="1200" b="1" dirty="0">
+                <a:solidFill>
+                  <a:schemeClr val="bg1"/>
+                </a:solidFill>
+              </a:rPr>
+              <a:t>45 </a:t>
+            </a:r>
+            <a:r>
+              <a:rPr lang="zh-TW" altLang="en-US" sz="1200" b="1" dirty="0">
+                <a:solidFill>
+                  <a:schemeClr val="bg1"/>
+                </a:solidFill>
+              </a:rPr>
+              <a:t>有降低一點</a:t>
+            </a:r>
+            <a:r>
+              <a:rPr lang="en-US" altLang="zh-TW" sz="1200" b="1" dirty="0">
+                <a:solidFill>
+                  <a:schemeClr val="bg1"/>
+                </a:solidFill>
+              </a:rPr>
+              <a:t>16%</a:t>
+            </a:r>
+            <a:endParaRPr lang="zh-TW" altLang="en-US" dirty="0"/>
+          </a:p>
+          <a:p>
+            <a:endParaRPr lang="zh-TW" altLang="en-US" dirty="0"/>
+          </a:p>
+        </p:txBody>
+      </p:sp>
+      <p:sp>
+        <p:nvSpPr>
+          <p:cNvPr id="4" name="投影片編號版面配置區 3"/>
+          <p:cNvSpPr>
+            <a:spLocks noGrp="1"/>
+          </p:cNvSpPr>
+          <p:nvPr>
+            <p:ph type="sldNum" sz="quarter" idx="5"/>
+          </p:nvPr>
+        </p:nvSpPr>
+        <p:spPr/>
+        <p:txBody>
+          <a:bodyPr/>
+          <a:lstStyle/>
+          <a:p>
+            <a:fld id="{7C1C9512-D1C3-4BBF-A913-019D5FB6140E}" type="slidenum">
+              <a:rPr lang="zh-TW" altLang="en-US" smtClean="0"/>
+              <a:t>18</a:t>
+            </a:fld>
+            <a:endParaRPr lang="zh-TW" altLang="en-US"/>
+          </a:p>
+        </p:txBody>
+      </p:sp>
+    </p:spTree>
+    <p:extLst>
+      <p:ext uri="{BB962C8B-B14F-4D97-AF65-F5344CB8AC3E}">
+        <p14:creationId xmlns:p14="http://schemas.microsoft.com/office/powerpoint/2010/main" val="3290299464"/>
+      </p:ext>
+    </p:extLst>
+  </p:cSld>
+  <p:clrMapOvr>
+    <a:masterClrMapping/>
+  </p:clrMapOvr>
+</p:notes>
+</file>
+
+<file path=ppt/notesSlides/notesSlide19.xml><?xml version="1.0" encoding="utf-8"?>
+<p:notes xmlns:a="http://schemas.openxmlformats.org/drawingml/2006/main" xmlns:r="http://schemas.openxmlformats.org/officeDocument/2006/relationships" xmlns:p="http://schemas.openxmlformats.org/presentationml/2006/main">
+  <p:cSld>
+    <p:spTree>
+      <p:nvGrpSpPr>
+        <p:cNvPr id="1" name=""/>
+        <p:cNvGrpSpPr/>
+        <p:nvPr/>
+      </p:nvGrpSpPr>
+      <p:grpSpPr>
+        <a:xfrm>
+          <a:off x="0" y="0"/>
+          <a:ext cx="0" cy="0"/>
+          <a:chOff x="0" y="0"/>
+          <a:chExt cx="0" cy="0"/>
+        </a:xfrm>
+      </p:grpSpPr>
+      <p:sp>
+        <p:nvSpPr>
+          <p:cNvPr id="2" name="投影片影像版面配置區 1"/>
+          <p:cNvSpPr>
+            <a:spLocks noGrp="1" noRot="1" noChangeAspect="1"/>
+          </p:cNvSpPr>
+          <p:nvPr>
+            <p:ph type="sldImg"/>
+          </p:nvPr>
+        </p:nvSpPr>
+        <p:spPr/>
+      </p:sp>
+      <p:sp>
+        <p:nvSpPr>
+          <p:cNvPr id="3" name="備忘稿版面配置區 2"/>
+          <p:cNvSpPr>
+            <a:spLocks noGrp="1"/>
+          </p:cNvSpPr>
+          <p:nvPr>
+            <p:ph type="body" idx="1"/>
+          </p:nvPr>
+        </p:nvSpPr>
+        <p:spPr/>
+        <p:txBody>
+          <a:bodyPr/>
+          <a:lstStyle/>
+          <a:p>
+            <a:pPr marL="0" marR="0" lvl="0" indent="0" algn="l" defTabSz="914400" rtl="0" eaLnBrk="1" fontAlgn="auto" latinLnBrk="0" hangingPunct="1">
+              <a:lnSpc>
+                <a:spcPct val="100000"/>
+              </a:lnSpc>
+              <a:spcBef>
+                <a:spcPts val="0"/>
+              </a:spcBef>
+              <a:spcAft>
+                <a:spcPts val="0"/>
+              </a:spcAft>
+              <a:buClrTx/>
+              <a:buSzTx/>
+              <a:buFontTx/>
+              <a:buNone/>
+              <a:tabLst/>
+              <a:defRPr/>
+            </a:pPr>
+            <a:r>
+              <a:rPr lang="zh-TW" altLang="en-US" sz="1200" b="1" dirty="0">
+                <a:solidFill>
+                  <a:schemeClr val="bg1"/>
+                </a:solidFill>
+              </a:rPr>
+              <a:t>我們一樣有將它的</a:t>
+            </a:r>
+            <a:r>
+              <a:rPr lang="en-US" altLang="zh-TW" sz="1200" b="1" dirty="0">
+                <a:solidFill>
+                  <a:schemeClr val="bg1"/>
+                </a:solidFill>
+              </a:rPr>
+              <a:t>Loss function change curve</a:t>
+            </a:r>
+            <a:r>
+              <a:rPr lang="zh-TW" altLang="en-US" sz="1200" b="1" dirty="0">
+                <a:solidFill>
+                  <a:schemeClr val="bg1"/>
+                </a:solidFill>
+              </a:rPr>
+              <a:t>繪製出來</a:t>
+            </a:r>
+            <a:endParaRPr lang="en-US" altLang="zh-TW" sz="1200" b="1" dirty="0">
+              <a:solidFill>
+                <a:schemeClr val="bg1"/>
+              </a:solidFill>
+            </a:endParaRPr>
+          </a:p>
+          <a:p>
+            <a:endParaRPr lang="zh-TW" altLang="en-US" dirty="0"/>
+          </a:p>
+        </p:txBody>
+      </p:sp>
+      <p:sp>
+        <p:nvSpPr>
+          <p:cNvPr id="4" name="投影片編號版面配置區 3"/>
+          <p:cNvSpPr>
+            <a:spLocks noGrp="1"/>
+          </p:cNvSpPr>
+          <p:nvPr>
+            <p:ph type="sldNum" sz="quarter" idx="5"/>
+          </p:nvPr>
+        </p:nvSpPr>
+        <p:spPr/>
+        <p:txBody>
+          <a:bodyPr/>
+          <a:lstStyle/>
+          <a:p>
+            <a:fld id="{7C1C9512-D1C3-4BBF-A913-019D5FB6140E}" type="slidenum">
+              <a:rPr lang="zh-TW" altLang="en-US" smtClean="0"/>
+              <a:t>19</a:t>
+            </a:fld>
+            <a:endParaRPr lang="zh-TW" altLang="en-US"/>
+          </a:p>
+        </p:txBody>
+      </p:sp>
+    </p:spTree>
+    <p:extLst>
+      <p:ext uri="{BB962C8B-B14F-4D97-AF65-F5344CB8AC3E}">
+        <p14:creationId xmlns:p14="http://schemas.microsoft.com/office/powerpoint/2010/main" val="2732394699"/>
       </p:ext>
     </p:extLst>
   </p:cSld>
@@ -616,23 +2812,135 @@
           <a:p>
             <a:r>
               <a:rPr lang="zh-TW" altLang="en-US" dirty="0"/>
-              <a:t>人臉去識別化，是從面部的圖像或影像中，藉由修改或刪除部分或全部識別特徵以保護個人隱私的過程。 </a:t>
+              <a:t>我們主要報告的內容會介紹到 </a:t>
             </a:r>
             <a:endParaRPr lang="en-US" altLang="zh-TW" dirty="0"/>
           </a:p>
           <a:p>
             <a:r>
               <a:rPr lang="zh-TW" altLang="en-US" dirty="0"/>
-              <a:t>人臉去識別的目標，是防止某些識別的特定的數據集中於特定的某些人，同時仍然保留人臉的整體結構和外觀。</a:t>
-            </a:r>
+              <a:t>什麼是人臉去識別化</a:t>
+            </a:r>
+            <a:endParaRPr lang="en-US" altLang="zh-TW" dirty="0"/>
           </a:p>
           <a:p>
             <a:r>
               <a:rPr lang="zh-TW" altLang="en-US" dirty="0"/>
-              <a:t>面部去識別通常用於研究和數據收集，特別是在醫療保健和執法等必須保護個人隱私的領域。 它還用於機場或購物中心等公共場所，出於安全目的使用視頻監控，以保護可能被鏡頭捕捉到個人的隱私。</a:t>
+              <a:t>還有我們為什麼需要做人臉去識別化這件事</a:t>
             </a:r>
             <a:endParaRPr lang="en-US" altLang="zh-TW" dirty="0"/>
           </a:p>
+          <a:p>
+            <a:r>
+              <a:rPr lang="zh-TW" altLang="en-US" dirty="0"/>
+              <a:t>以及我們如何實作期中報告的部分，包括三種</a:t>
+            </a:r>
+            <a:r>
+              <a:rPr lang="en-US" altLang="zh-TW" sz="1200" b="1" dirty="0">
+                <a:solidFill>
+                  <a:schemeClr val="bg1"/>
+                </a:solidFill>
+              </a:rPr>
+              <a:t>Database Training </a:t>
+            </a:r>
+            <a:r>
+              <a:rPr lang="zh-TW" altLang="en-US" sz="1200" b="1" dirty="0">
+                <a:solidFill>
+                  <a:schemeClr val="bg1"/>
+                </a:solidFill>
+              </a:rPr>
+              <a:t>的結果</a:t>
+            </a:r>
+            <a:endParaRPr lang="en-US" altLang="zh-TW" sz="1200" b="1" dirty="0">
+              <a:solidFill>
+                <a:schemeClr val="bg1"/>
+              </a:solidFill>
+            </a:endParaRPr>
+          </a:p>
+          <a:p>
+            <a:endParaRPr lang="en-US" altLang="zh-TW" dirty="0"/>
+          </a:p>
+        </p:txBody>
+      </p:sp>
+      <p:sp>
+        <p:nvSpPr>
+          <p:cNvPr id="4" name="投影片編號版面配置區 3"/>
+          <p:cNvSpPr>
+            <a:spLocks noGrp="1"/>
+          </p:cNvSpPr>
+          <p:nvPr>
+            <p:ph type="sldNum" sz="quarter" idx="5"/>
+          </p:nvPr>
+        </p:nvSpPr>
+        <p:spPr/>
+        <p:txBody>
+          <a:bodyPr/>
+          <a:lstStyle/>
+          <a:p>
+            <a:fld id="{7C1C9512-D1C3-4BBF-A913-019D5FB6140E}" type="slidenum">
+              <a:rPr lang="zh-TW" altLang="en-US" smtClean="0"/>
+              <a:t>2</a:t>
+            </a:fld>
+            <a:endParaRPr lang="zh-TW" altLang="en-US"/>
+          </a:p>
+        </p:txBody>
+      </p:sp>
+    </p:spTree>
+    <p:extLst>
+      <p:ext uri="{BB962C8B-B14F-4D97-AF65-F5344CB8AC3E}">
+        <p14:creationId xmlns:p14="http://schemas.microsoft.com/office/powerpoint/2010/main" val="2492356806"/>
+      </p:ext>
+    </p:extLst>
+  </p:cSld>
+  <p:clrMapOvr>
+    <a:masterClrMapping/>
+  </p:clrMapOvr>
+</p:notes>
+</file>
+
+<file path=ppt/notesSlides/notesSlide20.xml><?xml version="1.0" encoding="utf-8"?>
+<p:notes xmlns:a="http://schemas.openxmlformats.org/drawingml/2006/main" xmlns:r="http://schemas.openxmlformats.org/officeDocument/2006/relationships" xmlns:p="http://schemas.openxmlformats.org/presentationml/2006/main">
+  <p:cSld>
+    <p:spTree>
+      <p:nvGrpSpPr>
+        <p:cNvPr id="1" name=""/>
+        <p:cNvGrpSpPr/>
+        <p:nvPr/>
+      </p:nvGrpSpPr>
+      <p:grpSpPr>
+        <a:xfrm>
+          <a:off x="0" y="0"/>
+          <a:ext cx="0" cy="0"/>
+          <a:chOff x="0" y="0"/>
+          <a:chExt cx="0" cy="0"/>
+        </a:xfrm>
+      </p:grpSpPr>
+      <p:sp>
+        <p:nvSpPr>
+          <p:cNvPr id="2" name="投影片影像版面配置區 1"/>
+          <p:cNvSpPr>
+            <a:spLocks noGrp="1" noRot="1" noChangeAspect="1"/>
+          </p:cNvSpPr>
+          <p:nvPr>
+            <p:ph type="sldImg"/>
+          </p:nvPr>
+        </p:nvSpPr>
+        <p:spPr/>
+      </p:sp>
+      <p:sp>
+        <p:nvSpPr>
+          <p:cNvPr id="3" name="備忘稿版面配置區 2"/>
+          <p:cNvSpPr>
+            <a:spLocks noGrp="1"/>
+          </p:cNvSpPr>
+          <p:nvPr>
+            <p:ph type="body" idx="1"/>
+          </p:nvPr>
+        </p:nvSpPr>
+        <p:spPr/>
+        <p:txBody>
+          <a:bodyPr/>
+          <a:lstStyle/>
           <a:p>
             <a:pPr marL="0" marR="0" lvl="0" indent="0" algn="l" defTabSz="914400" rtl="0" eaLnBrk="1" fontAlgn="auto" latinLnBrk="0" hangingPunct="1">
               <a:lnSpc>
@@ -653,10 +2961,48 @@
             </a:pPr>
             <a:r>
               <a:rPr lang="zh-TW" altLang="en-US" dirty="0"/>
-              <a:t>人臉去識別化有多種方法，包括對人臉進行模糊處理或像素化、添加噪聲或失真，或者用合成人臉替換人臉， 這些技術可應用於靜止圖像或視頻片段。</a:t>
-            </a:r>
-          </a:p>
-          <a:p>
+              <a:t>在</a:t>
+            </a:r>
+            <a:r>
+              <a:rPr lang="en-US" altLang="zh-TW" sz="1200" b="1" dirty="0">
+                <a:solidFill>
+                  <a:schemeClr val="bg1"/>
+                </a:solidFill>
+              </a:rPr>
+              <a:t>Gaussian</a:t>
+            </a:r>
+            <a:r>
+              <a:rPr lang="zh-TW" altLang="en-US" sz="1200" b="1" dirty="0">
+                <a:solidFill>
+                  <a:schemeClr val="bg1"/>
+                </a:solidFill>
+              </a:rPr>
+              <a:t>係數</a:t>
+            </a:r>
+            <a:r>
+              <a:rPr lang="en-US" altLang="zh-TW" sz="1200" b="1" dirty="0">
+                <a:solidFill>
+                  <a:schemeClr val="bg1"/>
+                </a:solidFill>
+              </a:rPr>
+              <a:t>99 Training Result</a:t>
+            </a:r>
+            <a:r>
+              <a:rPr lang="zh-TW" altLang="en-US" sz="1200" b="1" dirty="0">
+                <a:solidFill>
+                  <a:schemeClr val="bg1"/>
+                </a:solidFill>
+              </a:rPr>
+              <a:t>正確率是</a:t>
+            </a:r>
+            <a:r>
+              <a:rPr lang="en-US" altLang="zh-TW" sz="1200" b="1" dirty="0">
+                <a:solidFill>
+                  <a:schemeClr val="bg1"/>
+                </a:solidFill>
+              </a:rPr>
+              <a:t>13%</a:t>
+            </a:r>
             <a:endParaRPr lang="zh-TW" altLang="en-US" dirty="0"/>
           </a:p>
         </p:txBody>
@@ -678,7 +3024,7 @@
           <a:p>
             <a:fld id="{7C1C9512-D1C3-4BBF-A913-019D5FB6140E}" type="slidenum">
               <a:rPr lang="zh-TW" altLang="en-US" smtClean="0"/>
-              <a:t>4</a:t>
+              <a:t>20</a:t>
             </a:fld>
             <a:endParaRPr lang="zh-TW" altLang="en-US"/>
           </a:p>
@@ -687,7 +3033,215 @@
     </p:spTree>
     <p:extLst>
       <p:ext uri="{BB962C8B-B14F-4D97-AF65-F5344CB8AC3E}">
-        <p14:creationId xmlns:p14="http://schemas.microsoft.com/office/powerpoint/2010/main" val="1884830197"/>
+        <p14:creationId xmlns:p14="http://schemas.microsoft.com/office/powerpoint/2010/main" val="4240214944"/>
+      </p:ext>
+    </p:extLst>
+  </p:cSld>
+  <p:clrMapOvr>
+    <a:masterClrMapping/>
+  </p:clrMapOvr>
+</p:notes>
+</file>
+
+<file path=ppt/notesSlides/notesSlide21.xml><?xml version="1.0" encoding="utf-8"?>
+<p:notes xmlns:a="http://schemas.openxmlformats.org/drawingml/2006/main" xmlns:r="http://schemas.openxmlformats.org/officeDocument/2006/relationships" xmlns:p="http://schemas.openxmlformats.org/presentationml/2006/main">
+  <p:cSld>
+    <p:spTree>
+      <p:nvGrpSpPr>
+        <p:cNvPr id="1" name=""/>
+        <p:cNvGrpSpPr/>
+        <p:nvPr/>
+      </p:nvGrpSpPr>
+      <p:grpSpPr>
+        <a:xfrm>
+          <a:off x="0" y="0"/>
+          <a:ext cx="0" cy="0"/>
+          <a:chOff x="0" y="0"/>
+          <a:chExt cx="0" cy="0"/>
+        </a:xfrm>
+      </p:grpSpPr>
+      <p:sp>
+        <p:nvSpPr>
+          <p:cNvPr id="2" name="投影片影像版面配置區 1"/>
+          <p:cNvSpPr>
+            <a:spLocks noGrp="1" noRot="1" noChangeAspect="1"/>
+          </p:cNvSpPr>
+          <p:nvPr>
+            <p:ph type="sldImg"/>
+          </p:nvPr>
+        </p:nvSpPr>
+        <p:spPr/>
+      </p:sp>
+      <p:sp>
+        <p:nvSpPr>
+          <p:cNvPr id="3" name="備忘稿版面配置區 2"/>
+          <p:cNvSpPr>
+            <a:spLocks noGrp="1"/>
+          </p:cNvSpPr>
+          <p:nvPr>
+            <p:ph type="body" idx="1"/>
+          </p:nvPr>
+        </p:nvSpPr>
+        <p:spPr/>
+        <p:txBody>
+          <a:bodyPr/>
+          <a:lstStyle/>
+          <a:p>
+            <a:endParaRPr lang="zh-TW" altLang="en-US" dirty="0"/>
+          </a:p>
+        </p:txBody>
+      </p:sp>
+      <p:sp>
+        <p:nvSpPr>
+          <p:cNvPr id="4" name="投影片編號版面配置區 3"/>
+          <p:cNvSpPr>
+            <a:spLocks noGrp="1"/>
+          </p:cNvSpPr>
+          <p:nvPr>
+            <p:ph type="sldNum" sz="quarter" idx="5"/>
+          </p:nvPr>
+        </p:nvSpPr>
+        <p:spPr/>
+        <p:txBody>
+          <a:bodyPr/>
+          <a:lstStyle/>
+          <a:p>
+            <a:fld id="{7C1C9512-D1C3-4BBF-A913-019D5FB6140E}" type="slidenum">
+              <a:rPr lang="zh-TW" altLang="en-US" smtClean="0"/>
+              <a:t>21</a:t>
+            </a:fld>
+            <a:endParaRPr lang="zh-TW" altLang="en-US"/>
+          </a:p>
+        </p:txBody>
+      </p:sp>
+    </p:spTree>
+    <p:extLst>
+      <p:ext uri="{BB962C8B-B14F-4D97-AF65-F5344CB8AC3E}">
+        <p14:creationId xmlns:p14="http://schemas.microsoft.com/office/powerpoint/2010/main" val="4026048531"/>
+      </p:ext>
+    </p:extLst>
+  </p:cSld>
+  <p:clrMapOvr>
+    <a:masterClrMapping/>
+  </p:clrMapOvr>
+</p:notes>
+</file>
+
+<file path=ppt/notesSlides/notesSlide22.xml><?xml version="1.0" encoding="utf-8"?>
+<p:notes xmlns:a="http://schemas.openxmlformats.org/drawingml/2006/main" xmlns:r="http://schemas.openxmlformats.org/officeDocument/2006/relationships" xmlns:p="http://schemas.openxmlformats.org/presentationml/2006/main">
+  <p:cSld>
+    <p:spTree>
+      <p:nvGrpSpPr>
+        <p:cNvPr id="1" name=""/>
+        <p:cNvGrpSpPr/>
+        <p:nvPr/>
+      </p:nvGrpSpPr>
+      <p:grpSpPr>
+        <a:xfrm>
+          <a:off x="0" y="0"/>
+          <a:ext cx="0" cy="0"/>
+          <a:chOff x="0" y="0"/>
+          <a:chExt cx="0" cy="0"/>
+        </a:xfrm>
+      </p:grpSpPr>
+      <p:sp>
+        <p:nvSpPr>
+          <p:cNvPr id="2" name="投影片影像版面配置區 1"/>
+          <p:cNvSpPr>
+            <a:spLocks noGrp="1" noRot="1" noChangeAspect="1"/>
+          </p:cNvSpPr>
+          <p:nvPr>
+            <p:ph type="sldImg"/>
+          </p:nvPr>
+        </p:nvSpPr>
+        <p:spPr/>
+      </p:sp>
+      <p:sp>
+        <p:nvSpPr>
+          <p:cNvPr id="3" name="備忘稿版面配置區 2"/>
+          <p:cNvSpPr>
+            <a:spLocks noGrp="1"/>
+          </p:cNvSpPr>
+          <p:nvPr>
+            <p:ph type="body" idx="1"/>
+          </p:nvPr>
+        </p:nvSpPr>
+        <p:spPr/>
+        <p:txBody>
+          <a:bodyPr/>
+          <a:lstStyle/>
+          <a:p>
+            <a:pPr marL="0" marR="0" lvl="0" indent="0" algn="l" defTabSz="914400" rtl="0" eaLnBrk="1" fontAlgn="auto" latinLnBrk="0" hangingPunct="1">
+              <a:lnSpc>
+                <a:spcPct val="100000"/>
+              </a:lnSpc>
+              <a:spcBef>
+                <a:spcPts val="0"/>
+              </a:spcBef>
+              <a:spcAft>
+                <a:spcPts val="0"/>
+              </a:spcAft>
+              <a:buClrTx/>
+              <a:buSzTx/>
+              <a:buFontTx/>
+              <a:buNone/>
+              <a:tabLst/>
+              <a:defRPr/>
+            </a:pPr>
+            <a:r>
+              <a:rPr lang="zh-TW" altLang="en-US" dirty="0"/>
+              <a:t>整理出每一個</a:t>
+            </a:r>
+            <a:r>
+              <a:rPr lang="en-US" altLang="zh-TW" dirty="0"/>
+              <a:t>database</a:t>
+            </a:r>
+            <a:r>
+              <a:rPr lang="zh-TW" altLang="en-US" dirty="0"/>
+              <a:t>的訓練的結果發現隨著</a:t>
+            </a:r>
+            <a:r>
+              <a:rPr lang="en-US" altLang="zh-TW" sz="1200" dirty="0"/>
+              <a:t>Gaussian</a:t>
+            </a:r>
+            <a:r>
+              <a:rPr lang="zh-TW" altLang="en-US" sz="1200" dirty="0"/>
+              <a:t>係數的增加，正確率都有越來越小的情形。</a:t>
+            </a:r>
+            <a:endParaRPr lang="en-US" altLang="zh-TW" sz="1200" dirty="0"/>
+          </a:p>
+          <a:p>
+            <a:endParaRPr lang="en-US" altLang="zh-TW" dirty="0"/>
+          </a:p>
+        </p:txBody>
+      </p:sp>
+      <p:sp>
+        <p:nvSpPr>
+          <p:cNvPr id="4" name="投影片編號版面配置區 3"/>
+          <p:cNvSpPr>
+            <a:spLocks noGrp="1"/>
+          </p:cNvSpPr>
+          <p:nvPr>
+            <p:ph type="sldNum" sz="quarter" idx="5"/>
+          </p:nvPr>
+        </p:nvSpPr>
+        <p:spPr/>
+        <p:txBody>
+          <a:bodyPr/>
+          <a:lstStyle/>
+          <a:p>
+            <a:fld id="{7C1C9512-D1C3-4BBF-A913-019D5FB6140E}" type="slidenum">
+              <a:rPr lang="zh-TW" altLang="en-US" smtClean="0"/>
+              <a:t>22</a:t>
+            </a:fld>
+            <a:endParaRPr lang="zh-TW" altLang="en-US"/>
+          </a:p>
+        </p:txBody>
+      </p:sp>
+    </p:spTree>
+    <p:extLst>
+      <p:ext uri="{BB962C8B-B14F-4D97-AF65-F5344CB8AC3E}">
+        <p14:creationId xmlns:p14="http://schemas.microsoft.com/office/powerpoint/2010/main" val="1234267994"/>
       </p:ext>
     </p:extLst>
   </p:cSld>
@@ -743,27 +3297,20 @@
           <a:p>
             <a:r>
               <a:rPr lang="zh-TW" altLang="en-US" dirty="0"/>
-              <a:t>隱私保護：對於在公共場所或透過監視器捕捉臉部圖像的個人隱私而言，在人臉去識別化對隱私保護是相當重要的一環。</a:t>
-            </a:r>
-          </a:p>
-          <a:p>
+              <a:t>首先是什麼 </a:t>
+            </a:r>
+            <a:r>
+              <a:rPr lang="en-US" altLang="zh-TW" sz="1200" b="1" dirty="0">
+                <a:solidFill>
+                  <a:schemeClr val="accent2">
+                    <a:lumMod val="60000"/>
+                    <a:lumOff val="40000"/>
+                  </a:schemeClr>
+                </a:solidFill>
+              </a:rPr>
+              <a:t>Face De-identification</a:t>
+            </a:r>
             <a:endParaRPr lang="zh-TW" altLang="en-US" dirty="0"/>
-          </a:p>
-          <a:p>
-            <a:r>
-              <a:rPr lang="zh-TW" altLang="en-US" dirty="0"/>
-              <a:t>安全性：對於未經授權訪問的某些敏感數據。 例如，在醫療保健領域，人臉去識別化可以防止未經授權訪問醫療記錄。</a:t>
-            </a:r>
-            <a:endParaRPr lang="en-US" altLang="zh-TW" dirty="0"/>
-          </a:p>
-          <a:p>
-            <a:endParaRPr lang="en-US" altLang="zh-TW" dirty="0"/>
-          </a:p>
-          <a:p>
-            <a:r>
-              <a:rPr lang="zh-TW" altLang="en-US" dirty="0"/>
-              <a:t>合法性：許多法規和法律要求對人臉進行去識別化處理，以確保符合數據隱私和安全標準。</a:t>
-            </a:r>
           </a:p>
         </p:txBody>
       </p:sp>
@@ -784,7 +3331,7 @@
           <a:p>
             <a:fld id="{7C1C9512-D1C3-4BBF-A913-019D5FB6140E}" type="slidenum">
               <a:rPr lang="zh-TW" altLang="en-US" smtClean="0"/>
-              <a:t>6</a:t>
+              <a:t>3</a:t>
             </a:fld>
             <a:endParaRPr lang="zh-TW" altLang="en-US"/>
           </a:p>
@@ -793,7 +3340,7 @@
     </p:spTree>
     <p:extLst>
       <p:ext uri="{BB962C8B-B14F-4D97-AF65-F5344CB8AC3E}">
-        <p14:creationId xmlns:p14="http://schemas.microsoft.com/office/powerpoint/2010/main" val="2021137982"/>
+        <p14:creationId xmlns:p14="http://schemas.microsoft.com/office/powerpoint/2010/main" val="3715797090"/>
       </p:ext>
     </p:extLst>
   </p:cSld>
@@ -848,22 +3395,39 @@
           <a:lstStyle/>
           <a:p>
             <a:r>
-              <a:rPr lang="en-US" altLang="zh-TW" dirty="0"/>
-              <a:t>//batch </a:t>
-            </a:r>
-            <a:r>
               <a:rPr lang="zh-TW" altLang="en-US" dirty="0"/>
-              <a:t>小 準確率高 </a:t>
-            </a:r>
-            <a:r>
-              <a:rPr lang="en-US" altLang="zh-TW" dirty="0"/>
-              <a:t>ATT </a:t>
-            </a:r>
+              <a:t>人臉去識別化，在人臉的圖像或影像中，藉由修改或刪除部分或全部的一些識別特徵來保護個人隱私的過程。 </a:t>
+            </a:r>
+            <a:endParaRPr lang="en-US" altLang="zh-TW" dirty="0"/>
+          </a:p>
+          <a:p>
+            <a:endParaRPr lang="en-US" altLang="zh-TW" dirty="0"/>
+          </a:p>
+          <a:p>
             <a:r>
               <a:rPr lang="zh-TW" altLang="en-US" dirty="0"/>
-              <a:t>就可以開高一點</a:t>
+              <a:t>它的目的，是防止某些識別的特定的數據集中於某些人</a:t>
             </a:r>
             <a:endParaRPr lang="en-US" altLang="zh-TW" dirty="0"/>
+          </a:p>
+          <a:p>
+            <a:endParaRPr lang="zh-TW" altLang="en-US" dirty="0"/>
+          </a:p>
+          <a:p>
+            <a:r>
+              <a:rPr lang="zh-TW" altLang="en-US" dirty="0"/>
+              <a:t>通常用於研究和數據收集，特別是在醫療和法律等必須保護個人隱私的領域。 它還用於機場或購物中心等公共場所。</a:t>
+            </a:r>
+            <a:endParaRPr lang="en-US" altLang="zh-TW" dirty="0"/>
+          </a:p>
+          <a:p>
+            <a:endParaRPr lang="en-US" altLang="zh-TW" dirty="0"/>
+          </a:p>
+          <a:p>
+            <a:r>
+              <a:rPr lang="zh-TW" altLang="en-US" dirty="0"/>
+              <a:t>實作的方法，包括對人臉進行模糊處理或像素化、添加干擾或失真，或者用合成人臉</a:t>
+            </a:r>
           </a:p>
         </p:txBody>
       </p:sp>
@@ -884,7 +3448,7 @@
           <a:p>
             <a:fld id="{7C1C9512-D1C3-4BBF-A913-019D5FB6140E}" type="slidenum">
               <a:rPr lang="zh-TW" altLang="en-US" smtClean="0"/>
-              <a:t>9</a:t>
+              <a:t>4</a:t>
             </a:fld>
             <a:endParaRPr lang="zh-TW" altLang="en-US"/>
           </a:p>
@@ -893,7 +3457,7 @@
     </p:spTree>
     <p:extLst>
       <p:ext uri="{BB962C8B-B14F-4D97-AF65-F5344CB8AC3E}">
-        <p14:creationId xmlns:p14="http://schemas.microsoft.com/office/powerpoint/2010/main" val="2499575694"/>
+        <p14:creationId xmlns:p14="http://schemas.microsoft.com/office/powerpoint/2010/main" val="1884830197"/>
       </p:ext>
     </p:extLst>
   </p:cSld>
@@ -949,23 +3513,8 @@
           <a:p>
             <a:r>
               <a:rPr lang="zh-TW" altLang="en-US" dirty="0"/>
-              <a:t>縱軸是</a:t>
-            </a:r>
-            <a:r>
-              <a:rPr lang="en-US" altLang="zh-TW" dirty="0"/>
-              <a:t>Current loss </a:t>
-            </a:r>
-            <a:r>
-              <a:rPr lang="zh-TW" altLang="en-US" dirty="0"/>
-              <a:t>橫軸是圖片數</a:t>
-            </a:r>
-            <a:endParaRPr lang="en-US" altLang="zh-TW" dirty="0"/>
-          </a:p>
-          <a:p>
-            <a:endParaRPr lang="en-US" altLang="zh-TW" dirty="0"/>
-          </a:p>
-          <a:p>
-            <a:endParaRPr lang="zh-TW" altLang="en-US" dirty="0"/>
+              <a:t>接下來是我們為什麼需要做人臉去識別化這件事</a:t>
+            </a:r>
           </a:p>
         </p:txBody>
       </p:sp>
@@ -986,7 +3535,7 @@
           <a:p>
             <a:fld id="{7C1C9512-D1C3-4BBF-A913-019D5FB6140E}" type="slidenum">
               <a:rPr lang="zh-TW" altLang="en-US" smtClean="0"/>
-              <a:t>15</a:t>
+              <a:t>5</a:t>
             </a:fld>
             <a:endParaRPr lang="zh-TW" altLang="en-US"/>
           </a:p>
@@ -995,7 +3544,7 @@
     </p:spTree>
     <p:extLst>
       <p:ext uri="{BB962C8B-B14F-4D97-AF65-F5344CB8AC3E}">
-        <p14:creationId xmlns:p14="http://schemas.microsoft.com/office/powerpoint/2010/main" val="3211994816"/>
+        <p14:creationId xmlns:p14="http://schemas.microsoft.com/office/powerpoint/2010/main" val="2105224518"/>
       </p:ext>
     </p:extLst>
   </p:cSld>
@@ -1050,47 +3599,38 @@
           <a:lstStyle/>
           <a:p>
             <a:r>
-              <a:rPr lang="en-US" altLang="zh-TW" dirty="0"/>
-              <a:t>AT&amp;T </a:t>
-            </a:r>
-            <a:r>
               <a:rPr lang="zh-TW" altLang="en-US" dirty="0"/>
-              <a:t>數據集相對較小，只有 </a:t>
-            </a:r>
-            <a:r>
-              <a:rPr lang="en-US" altLang="zh-TW" dirty="0"/>
-              <a:t>40 </a:t>
-            </a:r>
+              <a:t>分成三個部分，分別是隱私性、安全性和合法性</a:t>
+            </a:r>
+            <a:endParaRPr lang="en-US" altLang="zh-TW" dirty="0"/>
+          </a:p>
+          <a:p>
+            <a:endParaRPr lang="en-US" altLang="zh-TW" dirty="0"/>
+          </a:p>
+          <a:p>
             <a:r>
               <a:rPr lang="zh-TW" altLang="en-US" dirty="0"/>
-              <a:t>個個體，每個個體只有 </a:t>
-            </a:r>
-            <a:r>
-              <a:rPr lang="en-US" altLang="zh-TW" dirty="0"/>
-              <a:t>10 </a:t>
-            </a:r>
+              <a:t>隱私保護：對於在公共場所或透過監視器捕捉臉部圖像的個人隱私而言，在人臉去識別化對隱私保護是相當重要的一環。</a:t>
+            </a:r>
+          </a:p>
+          <a:p>
+            <a:endParaRPr lang="zh-TW" altLang="en-US" dirty="0"/>
+          </a:p>
+          <a:p>
             <a:r>
               <a:rPr lang="zh-TW" altLang="en-US" dirty="0"/>
-              <a:t>張圖像。</a:t>
+              <a:t>安全性：對於未經授權訪問的某些敏感數據。 例如，在醫療領域，人臉去識別化可以防止未經授權醫療訪問記錄。</a:t>
             </a:r>
             <a:endParaRPr lang="en-US" altLang="zh-TW" dirty="0"/>
           </a:p>
           <a:p>
-            <a:r>
-              <a:rPr lang="en-US" altLang="zh-TW" dirty="0"/>
-              <a:t>Batch </a:t>
-            </a:r>
+            <a:endParaRPr lang="en-US" altLang="zh-TW" dirty="0"/>
+          </a:p>
+          <a:p>
             <a:r>
               <a:rPr lang="zh-TW" altLang="en-US" dirty="0"/>
-              <a:t>都用</a:t>
-            </a:r>
-            <a:r>
-              <a:rPr lang="en-US" altLang="zh-TW" dirty="0"/>
-              <a:t>128</a:t>
-            </a:r>
-          </a:p>
-          <a:p>
-            <a:endParaRPr lang="zh-TW" altLang="en-US" dirty="0"/>
+              <a:t>合法性：許多法規和法律要求對人臉進行去識別化處理，以確保符合數據隱私和安全標準。</a:t>
+            </a:r>
           </a:p>
         </p:txBody>
       </p:sp>
@@ -1111,7 +3651,7 @@
           <a:p>
             <a:fld id="{7C1C9512-D1C3-4BBF-A913-019D5FB6140E}" type="slidenum">
               <a:rPr lang="zh-TW" altLang="en-US" smtClean="0"/>
-              <a:t>16</a:t>
+              <a:t>6</a:t>
             </a:fld>
             <a:endParaRPr lang="zh-TW" altLang="en-US"/>
           </a:p>
@@ -1120,7 +3660,7 @@
     </p:spTree>
     <p:extLst>
       <p:ext uri="{BB962C8B-B14F-4D97-AF65-F5344CB8AC3E}">
-        <p14:creationId xmlns:p14="http://schemas.microsoft.com/office/powerpoint/2010/main" val="2100869306"/>
+        <p14:creationId xmlns:p14="http://schemas.microsoft.com/office/powerpoint/2010/main" val="2021137982"/>
       </p:ext>
     </p:extLst>
   </p:cSld>
@@ -1176,16 +3716,8 @@
           <a:p>
             <a:r>
               <a:rPr lang="zh-TW" altLang="en-US" dirty="0"/>
-              <a:t>越來越小</a:t>
-            </a:r>
-            <a:endParaRPr lang="en-US" altLang="zh-TW" dirty="0"/>
-          </a:p>
-          <a:p>
-            <a:r>
-              <a:rPr lang="en-US" altLang="zh-TW" dirty="0"/>
-              <a:t>batch</a:t>
-            </a:r>
-            <a:endParaRPr lang="zh-TW" altLang="en-US" dirty="0"/>
+              <a:t>再來就是最重要的部分，是我們如何實作這個報告的部分</a:t>
+            </a:r>
           </a:p>
         </p:txBody>
       </p:sp>
@@ -1206,7 +3738,7 @@
           <a:p>
             <a:fld id="{7C1C9512-D1C3-4BBF-A913-019D5FB6140E}" type="slidenum">
               <a:rPr lang="zh-TW" altLang="en-US" smtClean="0"/>
-              <a:t>22</a:t>
+              <a:t>7</a:t>
             </a:fld>
             <a:endParaRPr lang="zh-TW" altLang="en-US"/>
           </a:p>
@@ -1215,7 +3747,674 @@
     </p:spTree>
     <p:extLst>
       <p:ext uri="{BB962C8B-B14F-4D97-AF65-F5344CB8AC3E}">
-        <p14:creationId xmlns:p14="http://schemas.microsoft.com/office/powerpoint/2010/main" val="1234267994"/>
+        <p14:creationId xmlns:p14="http://schemas.microsoft.com/office/powerpoint/2010/main" val="1162342047"/>
+      </p:ext>
+    </p:extLst>
+  </p:cSld>
+  <p:clrMapOvr>
+    <a:masterClrMapping/>
+  </p:clrMapOvr>
+</p:notes>
+</file>
+
+<file path=ppt/notesSlides/notesSlide8.xml><?xml version="1.0" encoding="utf-8"?>
+<p:notes xmlns:a="http://schemas.openxmlformats.org/drawingml/2006/main" xmlns:r="http://schemas.openxmlformats.org/officeDocument/2006/relationships" xmlns:p="http://schemas.openxmlformats.org/presentationml/2006/main">
+  <p:cSld>
+    <p:spTree>
+      <p:nvGrpSpPr>
+        <p:cNvPr id="1" name=""/>
+        <p:cNvGrpSpPr/>
+        <p:nvPr/>
+      </p:nvGrpSpPr>
+      <p:grpSpPr>
+        <a:xfrm>
+          <a:off x="0" y="0"/>
+          <a:ext cx="0" cy="0"/>
+          <a:chOff x="0" y="0"/>
+          <a:chExt cx="0" cy="0"/>
+        </a:xfrm>
+      </p:grpSpPr>
+      <p:sp>
+        <p:nvSpPr>
+          <p:cNvPr id="2" name="投影片影像版面配置區 1"/>
+          <p:cNvSpPr>
+            <a:spLocks noGrp="1" noRot="1" noChangeAspect="1"/>
+          </p:cNvSpPr>
+          <p:nvPr>
+            <p:ph type="sldImg"/>
+          </p:nvPr>
+        </p:nvSpPr>
+        <p:spPr/>
+      </p:sp>
+      <p:sp>
+        <p:nvSpPr>
+          <p:cNvPr id="3" name="備忘稿版面配置區 2"/>
+          <p:cNvSpPr>
+            <a:spLocks noGrp="1"/>
+          </p:cNvSpPr>
+          <p:nvPr>
+            <p:ph type="body" idx="1"/>
+          </p:nvPr>
+        </p:nvSpPr>
+        <p:spPr/>
+        <p:txBody>
+          <a:bodyPr/>
+          <a:lstStyle/>
+          <a:p>
+            <a:pPr marL="0" marR="0" lvl="0" indent="0" algn="l" defTabSz="914400" rtl="0" eaLnBrk="1" fontAlgn="auto" latinLnBrk="0" hangingPunct="1">
+              <a:lnSpc>
+                <a:spcPct val="100000"/>
+              </a:lnSpc>
+              <a:spcBef>
+                <a:spcPts val="0"/>
+              </a:spcBef>
+              <a:spcAft>
+                <a:spcPts val="0"/>
+              </a:spcAft>
+              <a:buClrTx/>
+              <a:buSzTx/>
+              <a:buFontTx/>
+              <a:buNone/>
+              <a:tabLst/>
+              <a:defRPr/>
+            </a:pPr>
+            <a:endParaRPr lang="en-US" altLang="zh-TW" sz="1200" b="0" kern="1200" dirty="0">
+              <a:solidFill>
+                <a:schemeClr val="tx1"/>
+              </a:solidFill>
+              <a:effectLst/>
+              <a:latin typeface="+mn-lt"/>
+              <a:ea typeface="+mn-ea"/>
+              <a:cs typeface="+mn-cs"/>
+            </a:endParaRPr>
+          </a:p>
+          <a:p>
+            <a:r>
+              <a:rPr lang="en-US" altLang="zh-TW" sz="1200" b="0" u="none" kern="1200" dirty="0">
+                <a:solidFill>
+                  <a:schemeClr val="tx1"/>
+                </a:solidFill>
+                <a:effectLst/>
+                <a:latin typeface="+mn-lt"/>
+                <a:ea typeface="+mn-ea"/>
+                <a:cs typeface="+mn-cs"/>
+              </a:rPr>
+              <a:t>OpenCV </a:t>
+            </a:r>
+            <a:r>
+              <a:rPr lang="zh-TW" altLang="en-US" sz="1200" b="0" u="none" kern="1200" dirty="0">
+                <a:solidFill>
+                  <a:schemeClr val="tx1"/>
+                </a:solidFill>
+                <a:effectLst/>
+                <a:latin typeface="+mn-lt"/>
+                <a:ea typeface="+mn-ea"/>
+                <a:cs typeface="+mn-cs"/>
+              </a:rPr>
+              <a:t>提供了一種訓練方法</a:t>
+            </a:r>
+            <a:endParaRPr lang="en-US" altLang="zh-TW" sz="1200" b="0" u="none" kern="1200" dirty="0">
+              <a:solidFill>
+                <a:schemeClr val="tx1"/>
+              </a:solidFill>
+              <a:effectLst/>
+              <a:latin typeface="+mn-lt"/>
+              <a:ea typeface="+mn-ea"/>
+              <a:cs typeface="+mn-cs"/>
+            </a:endParaRPr>
+          </a:p>
+          <a:p>
+            <a:r>
+              <a:rPr lang="en-US" altLang="zh-TW" sz="1200" b="0" i="0" u="none" kern="1200" dirty="0">
+                <a:solidFill>
+                  <a:schemeClr val="tx1"/>
+                </a:solidFill>
+                <a:effectLst/>
+                <a:latin typeface="+mn-lt"/>
+                <a:ea typeface="+mn-ea"/>
+                <a:cs typeface="+mn-cs"/>
+              </a:rPr>
+              <a:t>pretrained models</a:t>
+            </a:r>
+            <a:r>
+              <a:rPr lang="zh-TW" altLang="en-US" sz="1200" b="0" u="none" kern="1200" dirty="0">
+                <a:solidFill>
+                  <a:schemeClr val="tx1"/>
+                </a:solidFill>
+                <a:effectLst/>
+                <a:latin typeface="+mn-lt"/>
+                <a:ea typeface="+mn-ea"/>
+                <a:cs typeface="+mn-cs"/>
+              </a:rPr>
+              <a:t>位於 </a:t>
+            </a:r>
+            <a:r>
+              <a:rPr lang="en-US" altLang="zh-TW" sz="1200" b="0" u="none" kern="1200" dirty="0">
+                <a:solidFill>
+                  <a:schemeClr val="tx1"/>
+                </a:solidFill>
+                <a:effectLst/>
+                <a:latin typeface="+mn-lt"/>
+                <a:ea typeface="+mn-ea"/>
+                <a:cs typeface="+mn-cs"/>
+              </a:rPr>
+              <a:t>OpenCV </a:t>
+            </a:r>
+            <a:r>
+              <a:rPr lang="zh-TW" altLang="en-US" sz="1200" b="0" u="none" kern="1200" dirty="0">
+                <a:solidFill>
+                  <a:schemeClr val="tx1"/>
+                </a:solidFill>
+                <a:effectLst/>
+                <a:latin typeface="+mn-lt"/>
+                <a:ea typeface="+mn-ea"/>
+                <a:cs typeface="+mn-cs"/>
+              </a:rPr>
+              <a:t>安裝的數據文件夾中</a:t>
+            </a:r>
+            <a:endParaRPr lang="en-US" altLang="zh-TW" sz="1200" b="0" u="none" kern="1200" dirty="0">
+              <a:solidFill>
+                <a:schemeClr val="tx1"/>
+              </a:solidFill>
+              <a:effectLst/>
+              <a:latin typeface="+mn-lt"/>
+              <a:ea typeface="+mn-ea"/>
+              <a:cs typeface="+mn-cs"/>
+            </a:endParaRPr>
+          </a:p>
+          <a:p>
+            <a:r>
+              <a:rPr lang="en-US" altLang="zh-TW" sz="1200" b="0" i="0" u="none" kern="1200" dirty="0" err="1">
+                <a:solidFill>
+                  <a:schemeClr val="tx1"/>
+                </a:solidFill>
+                <a:effectLst/>
+                <a:latin typeface="+mn-lt"/>
+                <a:ea typeface="+mn-ea"/>
+                <a:cs typeface="+mn-cs"/>
+              </a:rPr>
+              <a:t>Haar</a:t>
+            </a:r>
+            <a:r>
+              <a:rPr lang="en-US" altLang="zh-TW" sz="1200" b="0" i="0" u="none" kern="1200" dirty="0">
+                <a:solidFill>
+                  <a:schemeClr val="tx1"/>
+                </a:solidFill>
+                <a:effectLst/>
+                <a:latin typeface="+mn-lt"/>
+                <a:ea typeface="+mn-ea"/>
+                <a:cs typeface="+mn-cs"/>
+              </a:rPr>
+              <a:t>-cascade Detection</a:t>
+            </a:r>
+            <a:r>
+              <a:rPr lang="zh-TW" altLang="en-US" sz="1200" b="0" u="none" kern="1200" dirty="0">
+                <a:solidFill>
+                  <a:schemeClr val="tx1"/>
+                </a:solidFill>
+                <a:effectLst/>
+                <a:latin typeface="+mn-lt"/>
+                <a:ea typeface="+mn-ea"/>
+                <a:cs typeface="+mn-cs"/>
+              </a:rPr>
+              <a:t>檢測圖像中的面部</a:t>
+            </a:r>
+            <a:endParaRPr lang="en-US" altLang="zh-TW" sz="1200" b="0" u="none" kern="1200" dirty="0">
+              <a:solidFill>
+                <a:schemeClr val="tx1"/>
+              </a:solidFill>
+              <a:effectLst/>
+              <a:latin typeface="+mn-lt"/>
+              <a:ea typeface="+mn-ea"/>
+              <a:cs typeface="+mn-cs"/>
+            </a:endParaRPr>
+          </a:p>
+          <a:p>
+            <a:r>
+              <a:rPr lang="en-US" altLang="zh-TW" sz="1200" b="0" u="none" strike="noStrike" kern="1200" dirty="0" err="1">
+                <a:solidFill>
+                  <a:schemeClr val="tx1"/>
+                </a:solidFill>
+                <a:effectLst/>
+                <a:latin typeface="+mn-lt"/>
+                <a:ea typeface="+mn-ea"/>
+                <a:cs typeface="+mn-cs"/>
+                <a:hlinkClick r:id="rId3">
+                  <a:extLst>
+                    <a:ext uri="{A12FA001-AC4F-418D-AE19-62706E023703}">
+                      <ahyp:hlinkClr xmlns:ahyp="http://schemas.microsoft.com/office/drawing/2018/hyperlinkcolor" val="tx"/>
+                    </a:ext>
+                  </a:extLst>
+                </a:hlinkClick>
+              </a:rPr>
+              <a:t>CascadeClassifier</a:t>
+            </a:r>
+            <a:r>
+              <a:rPr lang="zh-TW" altLang="en-US" sz="1200" b="0" u="none" kern="1200" dirty="0">
+                <a:solidFill>
+                  <a:schemeClr val="tx1"/>
+                </a:solidFill>
+                <a:effectLst/>
+                <a:latin typeface="+mn-lt"/>
+                <a:ea typeface="+mn-ea"/>
+                <a:cs typeface="+mn-cs"/>
+              </a:rPr>
+              <a:t>加載必要的 </a:t>
+            </a:r>
+            <a:r>
+              <a:rPr lang="en-US" altLang="zh-TW" sz="1200" b="0" u="none" kern="1200" dirty="0">
+                <a:solidFill>
+                  <a:schemeClr val="tx1"/>
+                </a:solidFill>
+                <a:effectLst/>
+                <a:latin typeface="+mn-lt"/>
+                <a:ea typeface="+mn-ea"/>
+                <a:cs typeface="+mn-cs"/>
+              </a:rPr>
+              <a:t>XML </a:t>
+            </a:r>
+            <a:r>
+              <a:rPr lang="zh-TW" altLang="en-US" sz="1200" b="0" u="none" kern="1200" dirty="0">
+                <a:solidFill>
+                  <a:schemeClr val="tx1"/>
+                </a:solidFill>
+                <a:effectLst/>
+                <a:latin typeface="+mn-lt"/>
+                <a:ea typeface="+mn-ea"/>
+                <a:cs typeface="+mn-cs"/>
+              </a:rPr>
+              <a:t>文件。</a:t>
+            </a:r>
+            <a:endParaRPr lang="en-US" altLang="zh-TW" sz="1200" b="0" u="none" kern="1200" dirty="0">
+              <a:solidFill>
+                <a:schemeClr val="tx1"/>
+              </a:solidFill>
+              <a:effectLst/>
+              <a:latin typeface="+mn-lt"/>
+              <a:ea typeface="+mn-ea"/>
+              <a:cs typeface="+mn-cs"/>
+            </a:endParaRPr>
+          </a:p>
+          <a:p>
+            <a:r>
+              <a:rPr lang="en-US" altLang="zh-TW" sz="1200" b="0" u="none" strike="noStrike" kern="1200" dirty="0" err="1">
+                <a:solidFill>
+                  <a:schemeClr val="tx1"/>
+                </a:solidFill>
+                <a:effectLst/>
+                <a:latin typeface="+mn-lt"/>
+                <a:ea typeface="+mn-ea"/>
+                <a:cs typeface="+mn-cs"/>
+                <a:hlinkClick r:id="rId4">
+                  <a:extLst>
+                    <a:ext uri="{A12FA001-AC4F-418D-AE19-62706E023703}">
+                      <ahyp:hlinkClr xmlns:ahyp="http://schemas.microsoft.com/office/drawing/2018/hyperlinkcolor" val="tx"/>
+                    </a:ext>
+                  </a:extLst>
+                </a:hlinkClick>
+              </a:rPr>
+              <a:t>detectMultiScale</a:t>
+            </a:r>
+            <a:r>
+              <a:rPr lang="zh-TW" altLang="en-US" sz="1200" b="0" u="none" kern="1200" dirty="0">
+                <a:solidFill>
+                  <a:schemeClr val="tx1"/>
+                </a:solidFill>
+                <a:effectLst/>
+                <a:latin typeface="+mn-lt"/>
+                <a:ea typeface="+mn-ea"/>
+                <a:cs typeface="+mn-cs"/>
+              </a:rPr>
+              <a:t>方法完成檢測，</a:t>
+            </a:r>
+            <a:endParaRPr lang="en-US" altLang="zh-TW" sz="1200" b="0" u="none" kern="1200" dirty="0">
+              <a:solidFill>
+                <a:schemeClr val="tx1"/>
+              </a:solidFill>
+              <a:effectLst/>
+              <a:latin typeface="+mn-lt"/>
+              <a:ea typeface="+mn-ea"/>
+              <a:cs typeface="+mn-cs"/>
+            </a:endParaRPr>
+          </a:p>
+          <a:p>
+            <a:r>
+              <a:rPr lang="zh-TW" altLang="en-US" sz="1200" b="0" u="none" kern="1200" dirty="0">
+                <a:solidFill>
+                  <a:schemeClr val="tx1"/>
+                </a:solidFill>
+                <a:effectLst/>
+                <a:latin typeface="+mn-lt"/>
+                <a:ea typeface="+mn-ea"/>
+                <a:cs typeface="+mn-cs"/>
+              </a:rPr>
+              <a:t>該方法返回檢測到的面部的邊界矩形。</a:t>
+            </a:r>
+            <a:endParaRPr lang="en-US" altLang="zh-TW" sz="1200" b="0" u="none" kern="1200" dirty="0">
+              <a:solidFill>
+                <a:schemeClr val="tx1"/>
+              </a:solidFill>
+              <a:effectLst/>
+              <a:latin typeface="+mn-lt"/>
+              <a:ea typeface="+mn-ea"/>
+              <a:cs typeface="+mn-cs"/>
+            </a:endParaRPr>
+          </a:p>
+          <a:p>
+            <a:r>
+              <a:rPr lang="en-US" altLang="zh-TW" sz="1200" b="0" u="none" kern="1200" dirty="0">
+                <a:solidFill>
+                  <a:schemeClr val="tx1"/>
+                </a:solidFill>
+                <a:effectLst/>
+                <a:latin typeface="+mn-lt"/>
+                <a:ea typeface="+mn-ea"/>
+                <a:cs typeface="+mn-cs"/>
+              </a:rPr>
+              <a:t>//</a:t>
+            </a:r>
+          </a:p>
+          <a:p>
+            <a:r>
+              <a:rPr lang="zh-TW" altLang="en-US" sz="1200" b="0" u="none" kern="1200" dirty="0">
+                <a:solidFill>
+                  <a:schemeClr val="tx1"/>
+                </a:solidFill>
+                <a:effectLst/>
+                <a:latin typeface="+mn-lt"/>
+                <a:ea typeface="+mn-ea"/>
+                <a:cs typeface="+mn-cs"/>
+              </a:rPr>
+              <a:t>接下來我們會展示我們</a:t>
+            </a:r>
+            <a:r>
+              <a:rPr lang="en-US" altLang="zh-TW" sz="1200" b="0" u="none" kern="1200" dirty="0">
+                <a:solidFill>
+                  <a:schemeClr val="tx1"/>
+                </a:solidFill>
+                <a:effectLst/>
+                <a:latin typeface="+mn-lt"/>
+                <a:ea typeface="+mn-ea"/>
+                <a:cs typeface="+mn-cs"/>
+              </a:rPr>
+              <a:t>training</a:t>
+            </a:r>
+            <a:r>
+              <a:rPr lang="zh-TW" altLang="en-US" sz="1200" b="0" u="none" kern="1200" dirty="0">
+                <a:solidFill>
+                  <a:schemeClr val="tx1"/>
+                </a:solidFill>
+                <a:effectLst/>
+                <a:latin typeface="+mn-lt"/>
+                <a:ea typeface="+mn-ea"/>
+                <a:cs typeface="+mn-cs"/>
+              </a:rPr>
+              <a:t>的數據的結果</a:t>
+            </a:r>
+          </a:p>
+          <a:p>
+            <a:endParaRPr lang="zh-TW" altLang="en-US" dirty="0"/>
+          </a:p>
+        </p:txBody>
+      </p:sp>
+      <p:sp>
+        <p:nvSpPr>
+          <p:cNvPr id="4" name="投影片編號版面配置區 3"/>
+          <p:cNvSpPr>
+            <a:spLocks noGrp="1"/>
+          </p:cNvSpPr>
+          <p:nvPr>
+            <p:ph type="sldNum" sz="quarter" idx="5"/>
+          </p:nvPr>
+        </p:nvSpPr>
+        <p:spPr/>
+        <p:txBody>
+          <a:bodyPr/>
+          <a:lstStyle/>
+          <a:p>
+            <a:fld id="{7C1C9512-D1C3-4BBF-A913-019D5FB6140E}" type="slidenum">
+              <a:rPr lang="zh-TW" altLang="en-US" smtClean="0"/>
+              <a:t>8</a:t>
+            </a:fld>
+            <a:endParaRPr lang="zh-TW" altLang="en-US"/>
+          </a:p>
+        </p:txBody>
+      </p:sp>
+    </p:spTree>
+    <p:extLst>
+      <p:ext uri="{BB962C8B-B14F-4D97-AF65-F5344CB8AC3E}">
+        <p14:creationId xmlns:p14="http://schemas.microsoft.com/office/powerpoint/2010/main" val="1933170436"/>
+      </p:ext>
+    </p:extLst>
+  </p:cSld>
+  <p:clrMapOvr>
+    <a:masterClrMapping/>
+  </p:clrMapOvr>
+</p:notes>
+</file>
+
+<file path=ppt/notesSlides/notesSlide9.xml><?xml version="1.0" encoding="utf-8"?>
+<p:notes xmlns:a="http://schemas.openxmlformats.org/drawingml/2006/main" xmlns:r="http://schemas.openxmlformats.org/officeDocument/2006/relationships" xmlns:p="http://schemas.openxmlformats.org/presentationml/2006/main">
+  <p:cSld>
+    <p:spTree>
+      <p:nvGrpSpPr>
+        <p:cNvPr id="1" name=""/>
+        <p:cNvGrpSpPr/>
+        <p:nvPr/>
+      </p:nvGrpSpPr>
+      <p:grpSpPr>
+        <a:xfrm>
+          <a:off x="0" y="0"/>
+          <a:ext cx="0" cy="0"/>
+          <a:chOff x="0" y="0"/>
+          <a:chExt cx="0" cy="0"/>
+        </a:xfrm>
+      </p:grpSpPr>
+      <p:sp>
+        <p:nvSpPr>
+          <p:cNvPr id="2" name="投影片影像版面配置區 1"/>
+          <p:cNvSpPr>
+            <a:spLocks noGrp="1" noRot="1" noChangeAspect="1"/>
+          </p:cNvSpPr>
+          <p:nvPr>
+            <p:ph type="sldImg"/>
+          </p:nvPr>
+        </p:nvSpPr>
+        <p:spPr/>
+      </p:sp>
+      <p:sp>
+        <p:nvSpPr>
+          <p:cNvPr id="3" name="備忘稿版面配置區 2"/>
+          <p:cNvSpPr>
+            <a:spLocks noGrp="1"/>
+          </p:cNvSpPr>
+          <p:nvPr>
+            <p:ph type="body" idx="1"/>
+          </p:nvPr>
+        </p:nvSpPr>
+        <p:spPr/>
+        <p:txBody>
+          <a:bodyPr/>
+          <a:lstStyle/>
+          <a:p>
+            <a:r>
+              <a:rPr lang="zh-TW" altLang="en-US" dirty="0"/>
+              <a:t>我們第一個實作的</a:t>
+            </a:r>
+            <a:r>
+              <a:rPr lang="en-US" altLang="zh-TW" sz="1200" b="1" dirty="0" err="1">
+                <a:solidFill>
+                  <a:schemeClr val="bg1"/>
+                </a:solidFill>
+              </a:rPr>
+              <a:t>Mnist</a:t>
+            </a:r>
+            <a:r>
+              <a:rPr lang="en-US" altLang="zh-TW" sz="1200" b="1" dirty="0">
+                <a:solidFill>
+                  <a:schemeClr val="bg1"/>
+                </a:solidFill>
+              </a:rPr>
+              <a:t> Database </a:t>
+            </a:r>
+            <a:r>
+              <a:rPr lang="zh-TW" altLang="en-US" sz="1200" b="1" dirty="0">
+                <a:solidFill>
+                  <a:schemeClr val="bg1"/>
+                </a:solidFill>
+              </a:rPr>
+              <a:t>的</a:t>
+            </a:r>
+            <a:r>
+              <a:rPr lang="en-US" altLang="zh-TW" sz="1200" b="1" dirty="0">
+                <a:solidFill>
+                  <a:schemeClr val="bg1"/>
+                </a:solidFill>
+              </a:rPr>
+              <a:t>Training</a:t>
+            </a:r>
+            <a:endParaRPr lang="en-US" altLang="zh-TW" dirty="0"/>
+          </a:p>
+          <a:p>
+            <a:r>
+              <a:rPr lang="en-US" altLang="zh-TW" dirty="0"/>
+              <a:t>MNIST </a:t>
+            </a:r>
+            <a:r>
+              <a:rPr lang="zh-TW" altLang="en-US" dirty="0"/>
+              <a:t>數據集是一個大型的手寫數字的黑白</a:t>
+            </a:r>
+            <a:r>
+              <a:rPr lang="en-US" altLang="zh-TW" sz="1200" b="1" dirty="0">
+                <a:solidFill>
+                  <a:schemeClr val="bg1"/>
+                </a:solidFill>
+              </a:rPr>
+              <a:t>Database</a:t>
+            </a:r>
+            <a:endParaRPr lang="en-US" altLang="zh-TW" dirty="0"/>
+          </a:p>
+          <a:p>
+            <a:r>
+              <a:rPr lang="zh-TW" altLang="en-US" dirty="0"/>
+              <a:t>資料集中包含 </a:t>
+            </a:r>
+            <a:r>
+              <a:rPr lang="en-US" altLang="zh-TW" dirty="0"/>
+              <a:t>2 </a:t>
+            </a:r>
+            <a:r>
+              <a:rPr lang="zh-TW" altLang="en-US" dirty="0"/>
+              <a:t>個部分，分別是 </a:t>
+            </a:r>
+            <a:r>
+              <a:rPr lang="en-US" altLang="zh-TW" dirty="0"/>
+              <a:t>60,000 </a:t>
+            </a:r>
+            <a:r>
+              <a:rPr lang="zh-TW" altLang="en-US" dirty="0"/>
+              <a:t>張訓練圖像和 </a:t>
+            </a:r>
+            <a:r>
+              <a:rPr lang="en-US" altLang="zh-TW" dirty="0"/>
+              <a:t>10,000 </a:t>
+            </a:r>
+            <a:r>
+              <a:rPr lang="zh-TW" altLang="en-US" dirty="0"/>
+              <a:t>張測試圖像</a:t>
+            </a:r>
+            <a:endParaRPr lang="en-US" altLang="zh-TW" dirty="0"/>
+          </a:p>
+          <a:p>
+            <a:endParaRPr lang="en-US" altLang="zh-TW" dirty="0"/>
+          </a:p>
+          <a:p>
+            <a:r>
+              <a:rPr lang="zh-TW" altLang="en-US" dirty="0"/>
+              <a:t>在</a:t>
+            </a:r>
+            <a:r>
+              <a:rPr lang="en-US" altLang="zh-TW" sz="1200" b="1" dirty="0">
+                <a:solidFill>
+                  <a:schemeClr val="bg1"/>
+                </a:solidFill>
+              </a:rPr>
+              <a:t>Gaussian</a:t>
+            </a:r>
+            <a:r>
+              <a:rPr lang="zh-TW" altLang="en-US" sz="1200" b="1" dirty="0">
+                <a:solidFill>
+                  <a:schemeClr val="bg1"/>
+                </a:solidFill>
+              </a:rPr>
+              <a:t>係數</a:t>
+            </a:r>
+            <a:r>
+              <a:rPr lang="en-US" altLang="zh-TW" sz="1200" b="1" dirty="0">
+                <a:solidFill>
+                  <a:schemeClr val="bg1"/>
+                </a:solidFill>
+              </a:rPr>
+              <a:t>15</a:t>
+            </a:r>
+            <a:r>
+              <a:rPr lang="zh-TW" altLang="en-US" sz="1200" b="1" dirty="0">
+                <a:solidFill>
+                  <a:schemeClr val="bg1"/>
+                </a:solidFill>
+              </a:rPr>
+              <a:t>，我們訓練結果的正確率是</a:t>
+            </a:r>
+            <a:r>
+              <a:rPr lang="en-US" altLang="zh-TW" sz="1200" b="1" dirty="0">
+                <a:solidFill>
+                  <a:schemeClr val="bg1"/>
+                </a:solidFill>
+              </a:rPr>
+              <a:t>25%</a:t>
+            </a:r>
+            <a:r>
+              <a:rPr lang="zh-TW" altLang="en-US" sz="1200" b="1" dirty="0">
+                <a:solidFill>
+                  <a:schemeClr val="bg1"/>
+                </a:solidFill>
+              </a:rPr>
+              <a:t>左右</a:t>
+            </a:r>
+            <a:endParaRPr lang="zh-TW" altLang="en-US" dirty="0"/>
+          </a:p>
+          <a:p>
+            <a:endParaRPr lang="zh-TW" altLang="en-US" dirty="0"/>
+          </a:p>
+        </p:txBody>
+      </p:sp>
+      <p:sp>
+        <p:nvSpPr>
+          <p:cNvPr id="4" name="投影片編號版面配置區 3"/>
+          <p:cNvSpPr>
+            <a:spLocks noGrp="1"/>
+          </p:cNvSpPr>
+          <p:nvPr>
+            <p:ph type="sldNum" sz="quarter" idx="5"/>
+          </p:nvPr>
+        </p:nvSpPr>
+        <p:spPr/>
+        <p:txBody>
+          <a:bodyPr/>
+          <a:lstStyle/>
+          <a:p>
+            <a:fld id="{7C1C9512-D1C3-4BBF-A913-019D5FB6140E}" type="slidenum">
+              <a:rPr lang="zh-TW" altLang="en-US" smtClean="0"/>
+              <a:t>9</a:t>
+            </a:fld>
+            <a:endParaRPr lang="zh-TW" altLang="en-US"/>
+          </a:p>
+        </p:txBody>
+      </p:sp>
+    </p:spTree>
+    <p:extLst>
+      <p:ext uri="{BB962C8B-B14F-4D97-AF65-F5344CB8AC3E}">
+        <p14:creationId xmlns:p14="http://schemas.microsoft.com/office/powerpoint/2010/main" val="2499575694"/>
       </p:ext>
     </p:extLst>
   </p:cSld>
@@ -1372,7 +4571,7 @@
           <a:p>
             <a:fld id="{EE7F4DC8-2AC8-4E0A-B9C2-31F4F2D937EA}" type="datetimeFigureOut">
               <a:rPr lang="zh-TW" altLang="en-US" smtClean="0"/>
-              <a:t>2023/4/24</a:t>
+              <a:t>2023/4/27</a:t>
             </a:fld>
             <a:endParaRPr lang="zh-TW" altLang="en-US"/>
           </a:p>
@@ -1442,6 +4641,9 @@
   <p:clrMapOvr>
     <a:masterClrMapping/>
   </p:clrMapOvr>
+  <p:transition spd="slow">
+    <p:wipe/>
+  </p:transition>
 </p:sldLayout>
 </file>
 
@@ -1570,7 +4772,7 @@
           <a:p>
             <a:fld id="{EE7F4DC8-2AC8-4E0A-B9C2-31F4F2D937EA}" type="datetimeFigureOut">
               <a:rPr lang="zh-TW" altLang="en-US" smtClean="0"/>
-              <a:t>2023/4/24</a:t>
+              <a:t>2023/4/27</a:t>
             </a:fld>
             <a:endParaRPr lang="zh-TW" altLang="en-US"/>
           </a:p>
@@ -1640,6 +4842,9 @@
   <p:clrMapOvr>
     <a:masterClrMapping/>
   </p:clrMapOvr>
+  <p:transition spd="slow">
+    <p:wipe/>
+  </p:transition>
 </p:sldLayout>
 </file>
 
@@ -1778,7 +4983,7 @@
           <a:p>
             <a:fld id="{EE7F4DC8-2AC8-4E0A-B9C2-31F4F2D937EA}" type="datetimeFigureOut">
               <a:rPr lang="zh-TW" altLang="en-US" smtClean="0"/>
-              <a:t>2023/4/24</a:t>
+              <a:t>2023/4/27</a:t>
             </a:fld>
             <a:endParaRPr lang="zh-TW" altLang="en-US"/>
           </a:p>
@@ -1848,6 +5053,9 @@
   <p:clrMapOvr>
     <a:masterClrMapping/>
   </p:clrMapOvr>
+  <p:transition spd="slow">
+    <p:wipe/>
+  </p:transition>
 </p:sldLayout>
 </file>
 
@@ -1976,7 +5184,7 @@
           <a:p>
             <a:fld id="{EE7F4DC8-2AC8-4E0A-B9C2-31F4F2D937EA}" type="datetimeFigureOut">
               <a:rPr lang="zh-TW" altLang="en-US" smtClean="0"/>
-              <a:t>2023/4/24</a:t>
+              <a:t>2023/4/27</a:t>
             </a:fld>
             <a:endParaRPr lang="zh-TW" altLang="en-US"/>
           </a:p>
@@ -2046,6 +5254,9 @@
   <p:clrMapOvr>
     <a:masterClrMapping/>
   </p:clrMapOvr>
+  <p:transition spd="slow">
+    <p:wipe/>
+  </p:transition>
 </p:sldLayout>
 </file>
 
@@ -2251,7 +5462,7 @@
           <a:p>
             <a:fld id="{EE7F4DC8-2AC8-4E0A-B9C2-31F4F2D937EA}" type="datetimeFigureOut">
               <a:rPr lang="zh-TW" altLang="en-US" smtClean="0"/>
-              <a:t>2023/4/24</a:t>
+              <a:t>2023/4/27</a:t>
             </a:fld>
             <a:endParaRPr lang="zh-TW" altLang="en-US"/>
           </a:p>
@@ -2321,6 +5532,9 @@
   <p:clrMapOvr>
     <a:masterClrMapping/>
   </p:clrMapOvr>
+  <p:transition spd="slow">
+    <p:wipe/>
+  </p:transition>
 </p:sldLayout>
 </file>
 
@@ -2516,7 +5730,7 @@
           <a:p>
             <a:fld id="{EE7F4DC8-2AC8-4E0A-B9C2-31F4F2D937EA}" type="datetimeFigureOut">
               <a:rPr lang="zh-TW" altLang="en-US" smtClean="0"/>
-              <a:t>2023/4/24</a:t>
+              <a:t>2023/4/27</a:t>
             </a:fld>
             <a:endParaRPr lang="zh-TW" altLang="en-US"/>
           </a:p>
@@ -2586,6 +5800,9 @@
   <p:clrMapOvr>
     <a:masterClrMapping/>
   </p:clrMapOvr>
+  <p:transition spd="slow">
+    <p:wipe/>
+  </p:transition>
 </p:sldLayout>
 </file>
 
@@ -2928,7 +6145,7 @@
           <a:p>
             <a:fld id="{EE7F4DC8-2AC8-4E0A-B9C2-31F4F2D937EA}" type="datetimeFigureOut">
               <a:rPr lang="zh-TW" altLang="en-US" smtClean="0"/>
-              <a:t>2023/4/24</a:t>
+              <a:t>2023/4/27</a:t>
             </a:fld>
             <a:endParaRPr lang="zh-TW" altLang="en-US"/>
           </a:p>
@@ -2998,6 +6215,9 @@
   <p:clrMapOvr>
     <a:masterClrMapping/>
   </p:clrMapOvr>
+  <p:transition spd="slow">
+    <p:wipe/>
+  </p:transition>
 </p:sldLayout>
 </file>
 
@@ -3069,7 +6289,7 @@
           <a:p>
             <a:fld id="{EE7F4DC8-2AC8-4E0A-B9C2-31F4F2D937EA}" type="datetimeFigureOut">
               <a:rPr lang="zh-TW" altLang="en-US" smtClean="0"/>
-              <a:t>2023/4/24</a:t>
+              <a:t>2023/4/27</a:t>
             </a:fld>
             <a:endParaRPr lang="zh-TW" altLang="en-US"/>
           </a:p>
@@ -3139,6 +6359,9 @@
   <p:clrMapOvr>
     <a:masterClrMapping/>
   </p:clrMapOvr>
+  <p:transition spd="slow">
+    <p:wipe/>
+  </p:transition>
 </p:sldLayout>
 </file>
 
@@ -3182,7 +6405,7 @@
           <a:p>
             <a:fld id="{EE7F4DC8-2AC8-4E0A-B9C2-31F4F2D937EA}" type="datetimeFigureOut">
               <a:rPr lang="zh-TW" altLang="en-US" smtClean="0"/>
-              <a:t>2023/4/24</a:t>
+              <a:t>2023/4/27</a:t>
             </a:fld>
             <a:endParaRPr lang="zh-TW" altLang="en-US"/>
           </a:p>
@@ -3252,6 +6475,9 @@
   <p:clrMapOvr>
     <a:masterClrMapping/>
   </p:clrMapOvr>
+  <p:transition spd="slow">
+    <p:wipe/>
+  </p:transition>
 </p:sldLayout>
 </file>
 
@@ -3493,7 +6719,7 @@
           <a:p>
             <a:fld id="{EE7F4DC8-2AC8-4E0A-B9C2-31F4F2D937EA}" type="datetimeFigureOut">
               <a:rPr lang="zh-TW" altLang="en-US" smtClean="0"/>
-              <a:t>2023/4/24</a:t>
+              <a:t>2023/4/27</a:t>
             </a:fld>
             <a:endParaRPr lang="zh-TW" altLang="en-US"/>
           </a:p>
@@ -3563,6 +6789,9 @@
   <p:clrMapOvr>
     <a:masterClrMapping/>
   </p:clrMapOvr>
+  <p:transition spd="slow">
+    <p:wipe/>
+  </p:transition>
 </p:sldLayout>
 </file>
 
@@ -3781,7 +7010,7 @@
           <a:p>
             <a:fld id="{EE7F4DC8-2AC8-4E0A-B9C2-31F4F2D937EA}" type="datetimeFigureOut">
               <a:rPr lang="zh-TW" altLang="en-US" smtClean="0"/>
-              <a:t>2023/4/24</a:t>
+              <a:t>2023/4/27</a:t>
             </a:fld>
             <a:endParaRPr lang="zh-TW" altLang="en-US"/>
           </a:p>
@@ -3851,6 +7080,9 @@
   <p:clrMapOvr>
     <a:masterClrMapping/>
   </p:clrMapOvr>
+  <p:transition spd="slow">
+    <p:wipe/>
+  </p:transition>
 </p:sldLayout>
 </file>
 
@@ -4031,7 +7263,7 @@
           <a:p>
             <a:fld id="{EE7F4DC8-2AC8-4E0A-B9C2-31F4F2D937EA}" type="datetimeFigureOut">
               <a:rPr lang="zh-TW" altLang="en-US" smtClean="0"/>
-              <a:t>2023/4/24</a:t>
+              <a:t>2023/4/27</a:t>
             </a:fld>
             <a:endParaRPr lang="zh-TW" altLang="en-US"/>
           </a:p>
@@ -4148,6 +7380,9 @@
     <p:sldLayoutId id="2147483658" r:id="rId10"/>
     <p:sldLayoutId id="2147483659" r:id="rId11"/>
   </p:sldLayoutIdLst>
+  <p:transition spd="slow">
+    <p:wipe/>
+  </p:transition>
   <p:txStyles>
     <p:titleStyle>
       <a:lvl1pPr algn="l" defTabSz="914400" rtl="0" eaLnBrk="1" latinLnBrk="0" hangingPunct="1">
@@ -4846,7 +8081,7 @@
           </p:nvPr>
         </p:nvPicPr>
         <p:blipFill>
-          <a:blip r:embed="rId2">
+          <a:blip r:embed="rId3">
             <a:extLst>
               <a:ext uri="{28A0092B-C50C-407E-A947-70E740481C1C}">
                 <a14:useLocalDpi xmlns:a14="http://schemas.microsoft.com/office/drawing/2010/main" val="0"/>
@@ -4874,6 +8109,9 @@
   <p:clrMapOvr>
     <a:masterClrMapping/>
   </p:clrMapOvr>
+  <p:transition spd="slow">
+    <p:wipe/>
+  </p:transition>
 </p:sld>
 </file>
 
@@ -4951,7 +8189,7 @@
                   <a:schemeClr val="bg1"/>
                 </a:solidFill>
               </a:rPr>
-              <a:t>std=45</a:t>
+              <a:t>Gaussian =45</a:t>
             </a:r>
             <a:br>
               <a:rPr lang="zh-TW" altLang="en-US" dirty="0">
@@ -4979,7 +8217,7 @@
           <p:nvPr/>
         </p:nvPicPr>
         <p:blipFill>
-          <a:blip r:embed="rId2"/>
+          <a:blip r:embed="rId3"/>
           <a:stretch>
             <a:fillRect/>
           </a:stretch>
@@ -5069,6 +8307,9 @@
   <p:clrMapOvr>
     <a:masterClrMapping/>
   </p:clrMapOvr>
+  <p:transition spd="slow">
+    <p:wipe/>
+  </p:transition>
 </p:sld>
 </file>
 
@@ -5141,7 +8382,7 @@
                   <a:schemeClr val="bg1"/>
                 </a:solidFill>
               </a:rPr>
-              <a:t>std=99</a:t>
+              <a:t>Gaussian =99</a:t>
             </a:r>
             <a:endParaRPr lang="zh-TW" altLang="en-US" b="1" dirty="0"/>
           </a:p>
@@ -5162,7 +8403,7 @@
           <p:nvPr/>
         </p:nvPicPr>
         <p:blipFill>
-          <a:blip r:embed="rId2"/>
+          <a:blip r:embed="rId3"/>
           <a:stretch>
             <a:fillRect/>
           </a:stretch>
@@ -5252,6 +8493,9 @@
   <p:clrMapOvr>
     <a:masterClrMapping/>
   </p:clrMapOvr>
+  <p:transition spd="slow">
+    <p:wipe/>
+  </p:transition>
 </p:sld>
 </file>
 
@@ -5316,12 +8560,20 @@
               </a:rPr>
             </a:br>
             <a:r>
+              <a:rPr lang="en-US" altLang="zh-TW" b="1" dirty="0">
+                <a:solidFill>
+                  <a:schemeClr val="bg1"/>
+                </a:solidFill>
+              </a:rPr>
+              <a:t>Gaussian</a:t>
+            </a:r>
+            <a:r>
               <a:rPr lang="en-US" altLang="zh-TW" dirty="0">
                 <a:solidFill>
                   <a:schemeClr val="bg1"/>
                 </a:solidFill>
               </a:rPr>
-              <a:t>std = 15</a:t>
+              <a:t> = 15</a:t>
             </a:r>
             <a:endParaRPr lang="zh-TW" altLang="en-US" dirty="0">
               <a:solidFill>
@@ -5346,7 +8598,7 @@
           <p:nvPr/>
         </p:nvPicPr>
         <p:blipFill>
-          <a:blip r:embed="rId2"/>
+          <a:blip r:embed="rId3"/>
           <a:stretch>
             <a:fillRect/>
           </a:stretch>
@@ -5436,6 +8688,9 @@
   <p:clrMapOvr>
     <a:masterClrMapping/>
   </p:clrMapOvr>
+  <p:transition spd="slow">
+    <p:wipe/>
+  </p:transition>
 </p:sld>
 </file>
 
@@ -5500,12 +8755,20 @@
               </a:rPr>
             </a:br>
             <a:r>
+              <a:rPr lang="en-US" altLang="zh-TW" sz="3600" b="1" dirty="0">
+                <a:solidFill>
+                  <a:schemeClr val="bg1"/>
+                </a:solidFill>
+              </a:rPr>
+              <a:t>Gaussian </a:t>
+            </a:r>
+            <a:r>
               <a:rPr lang="en-US" altLang="zh-TW" sz="3600" dirty="0">
                 <a:solidFill>
                   <a:schemeClr val="bg1"/>
                 </a:solidFill>
               </a:rPr>
-              <a:t>std =45</a:t>
+              <a:t>=45</a:t>
             </a:r>
             <a:endParaRPr lang="zh-TW" altLang="en-US" sz="3600" dirty="0">
               <a:solidFill>
@@ -5530,14 +8793,14 @@
           <p:nvPr/>
         </p:nvPicPr>
         <p:blipFill>
-          <a:blip r:embed="rId2"/>
+          <a:blip r:embed="rId3"/>
           <a:stretch>
             <a:fillRect/>
           </a:stretch>
         </p:blipFill>
         <p:spPr>
           <a:xfrm>
-            <a:off x="2290441" y="1650931"/>
+            <a:off x="2537791" y="1854850"/>
             <a:ext cx="7611117" cy="4638025"/>
           </a:xfrm>
           <a:prstGeom prst="roundRect">
@@ -5572,7 +8835,7 @@
         </p:nvSpPr>
         <p:spPr>
           <a:xfrm>
-            <a:off x="2385391" y="5468652"/>
+            <a:off x="2599414" y="5636292"/>
             <a:ext cx="2994992" cy="1024223"/>
           </a:xfrm>
           <a:prstGeom prst="ellipse">
@@ -5620,6 +8883,9 @@
   <p:clrMapOvr>
     <a:masterClrMapping/>
   </p:clrMapOvr>
+  <p:transition spd="slow">
+    <p:wipe/>
+  </p:transition>
 </p:sld>
 </file>
 
@@ -5684,12 +8950,20 @@
               </a:rPr>
             </a:br>
             <a:r>
+              <a:rPr lang="en-US" altLang="zh-TW" sz="3600" b="1" dirty="0">
+                <a:solidFill>
+                  <a:schemeClr val="bg1"/>
+                </a:solidFill>
+              </a:rPr>
+              <a:t>Gaussian </a:t>
+            </a:r>
+            <a:r>
               <a:rPr lang="en-US" altLang="zh-TW" sz="3600" dirty="0">
                 <a:solidFill>
                   <a:schemeClr val="bg1"/>
                 </a:solidFill>
               </a:rPr>
-              <a:t>std = 99</a:t>
+              <a:t>= 99</a:t>
             </a:r>
             <a:endParaRPr lang="zh-TW" altLang="en-US" sz="3600" dirty="0">
               <a:solidFill>
@@ -5714,14 +8988,14 @@
           <p:nvPr/>
         </p:nvPicPr>
         <p:blipFill>
-          <a:blip r:embed="rId2"/>
+          <a:blip r:embed="rId3"/>
           <a:stretch>
             <a:fillRect/>
           </a:stretch>
         </p:blipFill>
         <p:spPr>
           <a:xfrm>
-            <a:off x="2331507" y="1220400"/>
+            <a:off x="2690193" y="1418520"/>
             <a:ext cx="7714517" cy="4899556"/>
           </a:xfrm>
           <a:prstGeom prst="roundRect">
@@ -5756,7 +9030,7 @@
         </p:nvSpPr>
         <p:spPr>
           <a:xfrm>
-            <a:off x="2331507" y="5173489"/>
+            <a:off x="2690193" y="5280169"/>
             <a:ext cx="3313043" cy="928222"/>
           </a:xfrm>
           <a:prstGeom prst="ellipse">
@@ -5804,6 +9078,9 @@
   <p:clrMapOvr>
     <a:masterClrMapping/>
   </p:clrMapOvr>
+  <p:transition spd="slow">
+    <p:wipe/>
+  </p:transition>
 </p:sld>
 </file>
 
@@ -5937,6 +9214,86 @@
           </a:p>
         </p:txBody>
       </p:sp>
+      <p:sp>
+        <p:nvSpPr>
+          <p:cNvPr id="2" name="文字方塊 1">
+            <a:extLst>
+              <a:ext uri="{FF2B5EF4-FFF2-40B4-BE49-F238E27FC236}">
+                <a16:creationId xmlns:a16="http://schemas.microsoft.com/office/drawing/2014/main" id="{F045B213-CF01-4B0B-BEC1-EEAC6B63C387}"/>
+              </a:ext>
+            </a:extLst>
+          </p:cNvPr>
+          <p:cNvSpPr txBox="1"/>
+          <p:nvPr/>
+        </p:nvSpPr>
+        <p:spPr>
+          <a:xfrm>
+            <a:off x="2286000" y="3961613"/>
+            <a:ext cx="1082040" cy="369332"/>
+          </a:xfrm>
+          <a:prstGeom prst="rect">
+            <a:avLst/>
+          </a:prstGeom>
+          <a:noFill/>
+        </p:spPr>
+        <p:txBody>
+          <a:bodyPr wrap="square" rtlCol="0">
+            <a:spAutoFit/>
+          </a:bodyPr>
+          <a:lstStyle/>
+          <a:p>
+            <a:r>
+              <a:rPr lang="en-US" altLang="zh-TW" dirty="0">
+                <a:solidFill>
+                  <a:schemeClr val="bg1"/>
+                </a:solidFill>
+              </a:rPr>
+              <a:t>loss</a:t>
+            </a:r>
+            <a:endParaRPr lang="zh-TW" altLang="en-US" dirty="0">
+              <a:solidFill>
+                <a:schemeClr val="bg1"/>
+              </a:solidFill>
+            </a:endParaRPr>
+          </a:p>
+        </p:txBody>
+      </p:sp>
+      <p:sp>
+        <p:nvSpPr>
+          <p:cNvPr id="5" name="文字方塊 4">
+            <a:extLst>
+              <a:ext uri="{FF2B5EF4-FFF2-40B4-BE49-F238E27FC236}">
+                <a16:creationId xmlns:a16="http://schemas.microsoft.com/office/drawing/2014/main" id="{1DDCB593-3CCF-4B05-811F-5F16BE7D666B}"/>
+              </a:ext>
+            </a:extLst>
+          </p:cNvPr>
+          <p:cNvSpPr txBox="1"/>
+          <p:nvPr/>
+        </p:nvSpPr>
+        <p:spPr>
+          <a:xfrm>
+            <a:off x="5684520" y="5942600"/>
+            <a:ext cx="1356360" cy="369332"/>
+          </a:xfrm>
+          <a:prstGeom prst="rect">
+            <a:avLst/>
+          </a:prstGeom>
+          <a:noFill/>
+        </p:spPr>
+        <p:txBody>
+          <a:bodyPr wrap="square" rtlCol="0">
+            <a:spAutoFit/>
+          </a:bodyPr>
+          <a:lstStyle/>
+          <a:p>
+            <a:r>
+              <a:rPr lang="en-US" altLang="zh-TW" dirty="0"/>
+              <a:t>epoch</a:t>
+            </a:r>
+            <a:endParaRPr lang="zh-TW" altLang="en-US" dirty="0"/>
+          </a:p>
+        </p:txBody>
+      </p:sp>
     </p:spTree>
     <p:extLst>
       <p:ext uri="{BB962C8B-B14F-4D97-AF65-F5344CB8AC3E}">
@@ -5947,6 +9304,9 @@
   <p:clrMapOvr>
     <a:masterClrMapping/>
   </p:clrMapOvr>
+  <p:transition spd="slow">
+    <p:wipe/>
+  </p:transition>
 </p:sld>
 </file>
 
@@ -6125,6 +9485,9 @@
   <p:clrMapOvr>
     <a:masterClrMapping/>
   </p:clrMapOvr>
+  <p:transition spd="slow">
+    <p:wipe/>
+  </p:transition>
 </p:sld>
 </file>
 
@@ -6160,7 +9523,7 @@
         <p:spPr>
           <a:xfrm>
             <a:off x="1037690" y="339047"/>
-            <a:ext cx="8558373" cy="1938992"/>
+            <a:ext cx="8558373" cy="2000548"/>
           </a:xfrm>
           <a:prstGeom prst="rect">
             <a:avLst/>
@@ -6194,12 +9557,20 @@
           </a:p>
           <a:p>
             <a:r>
+              <a:rPr lang="en-US" altLang="zh-TW" sz="3200" b="1" dirty="0">
+                <a:solidFill>
+                  <a:schemeClr val="bg1"/>
+                </a:solidFill>
+              </a:rPr>
+              <a:t>Gaussian</a:t>
+            </a:r>
+            <a:r>
               <a:rPr lang="en-US" altLang="zh-TW" sz="3200" dirty="0">
                 <a:solidFill>
                   <a:schemeClr val="bg1"/>
                 </a:solidFill>
               </a:rPr>
-              <a:t>std = 15</a:t>
+              <a:t> = 15</a:t>
             </a:r>
             <a:endParaRPr lang="zh-TW" altLang="en-US" sz="3200" dirty="0"/>
           </a:p>
@@ -6220,7 +9591,7 @@
           <p:nvPr/>
         </p:nvPicPr>
         <p:blipFill>
-          <a:blip r:embed="rId2">
+          <a:blip r:embed="rId3">
             <a:extLst>
               <a:ext uri="{28A0092B-C50C-407E-A947-70E740481C1C}">
                 <a14:useLocalDpi xmlns:a14="http://schemas.microsoft.com/office/drawing/2010/main" val="0"/>
@@ -6234,7 +9605,7 @@
         </p:blipFill>
         <p:spPr bwMode="auto">
           <a:xfrm>
-            <a:off x="3148574" y="1810316"/>
+            <a:off x="3819134" y="2155835"/>
             <a:ext cx="5894851" cy="4363118"/>
           </a:xfrm>
           <a:prstGeom prst="roundRect">
@@ -6253,15 +9624,7 @@
           <a:effectLst>
             <a:reflection blurRad="12700" stA="38000" endPos="28000" dist="5000" dir="5400000" sy="-100000" algn="bl" rotWithShape="0"/>
           </a:effectLst>
-          <a:extLst>
-            <a:ext uri="{909E8E84-426E-40DD-AFC4-6F175D3DCCD1}">
-              <a14:hiddenFill xmlns:a14="http://schemas.microsoft.com/office/drawing/2010/main">
-                <a:solidFill>
-                  <a:srgbClr val="FFFFFF"/>
-                </a:solidFill>
-              </a14:hiddenFill>
-            </a:ext>
-          </a:extLst>
+          <a:extLst/>
         </p:spPr>
       </p:pic>
     </p:spTree>
@@ -6274,6 +9637,9 @@
   <p:clrMapOvr>
     <a:masterClrMapping/>
   </p:clrMapOvr>
+  <p:transition spd="slow">
+    <p:wipe/>
+  </p:transition>
 </p:sld>
 </file>
 
@@ -6333,12 +9699,20 @@
           </a:p>
           <a:p>
             <a:r>
+              <a:rPr lang="en-US" altLang="zh-TW" sz="4000" b="1" dirty="0">
+                <a:solidFill>
+                  <a:schemeClr val="bg1"/>
+                </a:solidFill>
+              </a:rPr>
+              <a:t>Gaussian </a:t>
+            </a:r>
+            <a:r>
               <a:rPr lang="en-US" altLang="zh-TW" sz="4000" dirty="0">
                 <a:solidFill>
                   <a:schemeClr val="bg1"/>
                 </a:solidFill>
               </a:rPr>
-              <a:t>std = 45</a:t>
+              <a:t>= 45</a:t>
             </a:r>
             <a:endParaRPr lang="zh-TW" altLang="en-US" sz="4000" dirty="0"/>
           </a:p>
@@ -6362,14 +9736,14 @@
           <p:nvPr/>
         </p:nvPicPr>
         <p:blipFill>
-          <a:blip r:embed="rId2"/>
+          <a:blip r:embed="rId3"/>
           <a:stretch>
             <a:fillRect/>
           </a:stretch>
         </p:blipFill>
         <p:spPr>
           <a:xfrm>
-            <a:off x="2826764" y="1322215"/>
+            <a:off x="3371998" y="1519409"/>
             <a:ext cx="6159329" cy="4213570"/>
           </a:xfrm>
           <a:prstGeom prst="roundRect">
@@ -6404,7 +9778,7 @@
         </p:nvSpPr>
         <p:spPr>
           <a:xfrm>
-            <a:off x="2660673" y="4877418"/>
+            <a:off x="3072153" y="4940057"/>
             <a:ext cx="5106589" cy="855561"/>
           </a:xfrm>
           <a:prstGeom prst="ellipse">
@@ -6452,6 +9826,9 @@
   <p:clrMapOvr>
     <a:masterClrMapping/>
   </p:clrMapOvr>
+  <p:transition spd="slow">
+    <p:wipe/>
+  </p:transition>
 </p:sld>
 </file>
 
@@ -6487,7 +9864,7 @@
         <p:spPr>
           <a:xfrm>
             <a:off x="1037690" y="339047"/>
-            <a:ext cx="8558373" cy="1938992"/>
+            <a:ext cx="8558373" cy="2000548"/>
           </a:xfrm>
           <a:prstGeom prst="rect">
             <a:avLst/>
@@ -6521,12 +9898,20 @@
           </a:p>
           <a:p>
             <a:r>
+              <a:rPr lang="en-US" altLang="zh-TW" sz="3200" b="1" dirty="0">
+                <a:solidFill>
+                  <a:schemeClr val="bg1"/>
+                </a:solidFill>
+              </a:rPr>
+              <a:t>Gaussian</a:t>
+            </a:r>
+            <a:r>
               <a:rPr lang="en-US" altLang="zh-TW" sz="3200" dirty="0">
                 <a:solidFill>
                   <a:schemeClr val="bg1"/>
                 </a:solidFill>
               </a:rPr>
-              <a:t>std = 45</a:t>
+              <a:t> = 45</a:t>
             </a:r>
             <a:endParaRPr lang="zh-TW" altLang="en-US" sz="3200" dirty="0"/>
           </a:p>
@@ -6547,7 +9932,7 @@
           <p:nvPr/>
         </p:nvPicPr>
         <p:blipFill>
-          <a:blip r:embed="rId2">
+          <a:blip r:embed="rId3">
             <a:extLst>
               <a:ext uri="{28A0092B-C50C-407E-A947-70E740481C1C}">
                 <a14:useLocalDpi xmlns:a14="http://schemas.microsoft.com/office/drawing/2010/main" val="0"/>
@@ -6561,7 +9946,7 @@
         </p:blipFill>
         <p:spPr bwMode="auto">
           <a:xfrm>
-            <a:off x="3083558" y="1864974"/>
+            <a:off x="3845558" y="2008937"/>
             <a:ext cx="6024883" cy="4510016"/>
           </a:xfrm>
           <a:prstGeom prst="roundRect">
@@ -6580,15 +9965,7 @@
           <a:effectLst>
             <a:reflection blurRad="12700" stA="38000" endPos="28000" dist="5000" dir="5400000" sy="-100000" algn="bl" rotWithShape="0"/>
           </a:effectLst>
-          <a:extLst>
-            <a:ext uri="{909E8E84-426E-40DD-AFC4-6F175D3DCCD1}">
-              <a14:hiddenFill xmlns:a14="http://schemas.microsoft.com/office/drawing/2010/main">
-                <a:solidFill>
-                  <a:srgbClr val="FFFFFF"/>
-                </a:solidFill>
-              </a14:hiddenFill>
-            </a:ext>
-          </a:extLst>
+          <a:extLst/>
         </p:spPr>
       </p:pic>
     </p:spTree>
@@ -6601,6 +9978,9 @@
   <p:clrMapOvr>
     <a:masterClrMapping/>
   </p:clrMapOvr>
+  <p:transition spd="slow">
+    <p:wipe/>
+  </p:transition>
 </p:sld>
 </file>
 
@@ -6792,6 +10172,9 @@
   <p:clrMapOvr>
     <a:masterClrMapping/>
   </p:clrMapOvr>
+  <p:transition spd="slow">
+    <p:wipe/>
+  </p:transition>
 </p:sld>
 </file>
 
@@ -6861,12 +10244,20 @@
           </a:p>
           <a:p>
             <a:r>
+              <a:rPr lang="en-US" altLang="zh-TW" sz="3600" b="1" dirty="0">
+                <a:solidFill>
+                  <a:schemeClr val="bg1"/>
+                </a:solidFill>
+              </a:rPr>
+              <a:t>Gaussian</a:t>
+            </a:r>
+            <a:r>
               <a:rPr lang="en-US" altLang="zh-TW" sz="3600" dirty="0">
                 <a:solidFill>
                   <a:schemeClr val="bg1"/>
                 </a:solidFill>
               </a:rPr>
-              <a:t>std = 99</a:t>
+              <a:t> = 99</a:t>
             </a:r>
             <a:endParaRPr lang="zh-TW" altLang="en-US" sz="3600" dirty="0"/>
           </a:p>
@@ -6890,7 +10281,7 @@
           <p:nvPr/>
         </p:nvPicPr>
         <p:blipFill>
-          <a:blip r:embed="rId2"/>
+          <a:blip r:embed="rId3"/>
           <a:stretch>
             <a:fillRect/>
           </a:stretch>
@@ -6980,6 +10371,9 @@
   <p:clrMapOvr>
     <a:masterClrMapping/>
   </p:clrMapOvr>
+  <p:transition spd="slow">
+    <p:wipe/>
+  </p:transition>
 </p:sld>
 </file>
 
@@ -7015,7 +10409,7 @@
         <p:spPr>
           <a:xfrm>
             <a:off x="1037690" y="339047"/>
-            <a:ext cx="8558373" cy="1938992"/>
+            <a:ext cx="8558373" cy="2000548"/>
           </a:xfrm>
           <a:prstGeom prst="rect">
             <a:avLst/>
@@ -7049,12 +10443,20 @@
           </a:p>
           <a:p>
             <a:r>
+              <a:rPr lang="en-US" altLang="zh-TW" sz="3200" b="1" dirty="0">
+                <a:solidFill>
+                  <a:schemeClr val="bg1"/>
+                </a:solidFill>
+              </a:rPr>
+              <a:t>Gaussian</a:t>
+            </a:r>
+            <a:r>
               <a:rPr lang="en-US" altLang="zh-TW" sz="3200" dirty="0">
                 <a:solidFill>
                   <a:schemeClr val="bg1"/>
                 </a:solidFill>
               </a:rPr>
-              <a:t>std = 99</a:t>
+              <a:t> = 99</a:t>
             </a:r>
             <a:endParaRPr lang="zh-TW" altLang="en-US" sz="3200" dirty="0"/>
           </a:p>
@@ -7075,14 +10477,14 @@
           <p:nvPr/>
         </p:nvPicPr>
         <p:blipFill>
-          <a:blip r:embed="rId2"/>
+          <a:blip r:embed="rId3"/>
           <a:stretch>
             <a:fillRect/>
           </a:stretch>
         </p:blipFill>
         <p:spPr>
           <a:xfrm>
-            <a:off x="3228467" y="1914554"/>
+            <a:off x="3807587" y="1914554"/>
             <a:ext cx="5899453" cy="4426177"/>
           </a:xfrm>
           <a:prstGeom prst="roundRect">
@@ -7113,6 +10515,9 @@
   <p:clrMapOvr>
     <a:masterClrMapping/>
   </p:clrMapOvr>
+  <p:transition spd="slow">
+    <p:wipe/>
+  </p:transition>
 </p:sld>
 </file>
 
@@ -7188,13 +10593,13 @@
             <p:ph idx="1"/>
             <p:extLst>
               <p:ext uri="{D42A27DB-BD31-4B8C-83A1-F6EECF244321}">
-                <p14:modId xmlns:p14="http://schemas.microsoft.com/office/powerpoint/2010/main" val="2069963714"/>
+                <p14:modId xmlns:p14="http://schemas.microsoft.com/office/powerpoint/2010/main" val="4217136744"/>
               </p:ext>
             </p:extLst>
           </p:nvPr>
         </p:nvGraphicFramePr>
         <p:xfrm>
-          <a:off x="747253" y="2081689"/>
+          <a:off x="747253" y="2299254"/>
           <a:ext cx="10515601" cy="2548627"/>
         </p:xfrm>
         <a:graphic>
@@ -7768,6 +11173,9 @@
   <p:clrMapOvr>
     <a:masterClrMapping/>
   </p:clrMapOvr>
+  <p:transition spd="slow">
+    <p:wipe/>
+  </p:transition>
 </p:sld>
 </file>
 
@@ -7851,6 +11259,9 @@
   <p:clrMapOvr>
     <a:masterClrMapping/>
   </p:clrMapOvr>
+  <p:transition spd="slow">
+    <p:wipe/>
+  </p:transition>
 </p:sld>
 </file>
 
@@ -7886,7 +11297,7 @@
           <p:nvPr/>
         </p:nvPicPr>
         <p:blipFill rotWithShape="1">
-          <a:blip r:embed="rId2"/>
+          <a:blip r:embed="rId3"/>
           <a:srcRect l="2297" t="1184"/>
           <a:stretch/>
         </p:blipFill>
@@ -7955,6 +11366,9 @@
   <p:clrMapOvr>
     <a:masterClrMapping/>
   </p:clrMapOvr>
+  <p:transition spd="slow">
+    <p:wipe/>
+  </p:transition>
 </p:sld>
 </file>
 
@@ -8145,6 +11559,9 @@
   <p:clrMapOvr>
     <a:masterClrMapping/>
   </p:clrMapOvr>
+  <p:transition spd="slow">
+    <p:wipe/>
+  </p:transition>
 </p:sld>
 </file>
 
@@ -8180,7 +11597,7 @@
           <p:nvPr/>
         </p:nvPicPr>
         <p:blipFill rotWithShape="1">
-          <a:blip r:embed="rId2"/>
+          <a:blip r:embed="rId3"/>
           <a:srcRect r="794"/>
           <a:stretch/>
         </p:blipFill>
@@ -8255,6 +11672,9 @@
   <p:clrMapOvr>
     <a:masterClrMapping/>
   </p:clrMapOvr>
+  <p:transition spd="slow">
+    <p:wipe/>
+  </p:transition>
 </p:sld>
 </file>
 
@@ -8596,6 +12016,9 @@
   <p:clrMapOvr>
     <a:masterClrMapping/>
   </p:clrMapOvr>
+  <p:transition spd="slow">
+    <p:wipe/>
+  </p:transition>
 </p:sld>
 </file>
 
@@ -8631,7 +12054,7 @@
           <p:nvPr/>
         </p:nvPicPr>
         <p:blipFill rotWithShape="1">
-          <a:blip r:embed="rId2"/>
+          <a:blip r:embed="rId3"/>
           <a:srcRect l="3251"/>
           <a:stretch/>
         </p:blipFill>
@@ -8697,6 +12120,9 @@
   <p:clrMapOvr>
     <a:masterClrMapping/>
   </p:clrMapOvr>
+  <p:transition spd="slow">
+    <p:wipe/>
+  </p:transition>
 </p:sld>
 </file>
 
@@ -8872,21 +12298,30 @@
             <a:p>
               <a:r>
                 <a:rPr lang="en-US" altLang="zh-TW" sz="2400" b="1" dirty="0"/>
-                <a:t>                -Cascade Classifier</a:t>
+                <a:t> </a:t>
               </a:r>
+              <a:r>
+                <a:rPr lang="zh-TW" altLang="en-US" sz="2400" b="1" dirty="0"/>
+                <a:t>                 </a:t>
+              </a:r>
+              <a:r>
+                <a:rPr lang="en-US" altLang="zh-TW" sz="2400" b="1" dirty="0" err="1"/>
+                <a:t>Haar</a:t>
+              </a:r>
+              <a:r>
+                <a:rPr lang="en-US" altLang="zh-TW" sz="2400" b="1" dirty="0"/>
+                <a:t>-cascade Detection</a:t>
+              </a:r>
+              <a:endParaRPr lang="en-US" altLang="zh-TW" sz="2400" dirty="0"/>
+            </a:p>
+            <a:p>
+              <a:endParaRPr lang="en-US" altLang="zh-TW" sz="2400" b="1" dirty="0"/>
             </a:p>
             <a:p>
               <a:r>
                 <a:rPr lang="en-US" altLang="zh-TW" sz="2400" b="1" dirty="0"/>
-                <a:t>	  -</a:t>
+                <a:t>	</a:t>
               </a:r>
-              <a:r>
-                <a:rPr lang="en-US" altLang="zh-TW" sz="2400" b="1" dirty="0" err="1"/>
-                <a:t>detectMultiScale</a:t>
-              </a:r>
-              <a:endParaRPr lang="en-US" altLang="zh-TW" sz="2400" b="1" u="sng" dirty="0"/>
-            </a:p>
-            <a:p>
               <a:endParaRPr lang="en-US" altLang="zh-TW" dirty="0"/>
             </a:p>
             <a:p>
@@ -9205,7 +12640,7 @@
           <p:nvPr/>
         </p:nvPicPr>
         <p:blipFill>
-          <a:blip r:embed="rId2">
+          <a:blip r:embed="rId3">
             <a:extLst>
               <a:ext uri="{28A0092B-C50C-407E-A947-70E740481C1C}">
                 <a14:useLocalDpi xmlns:a14="http://schemas.microsoft.com/office/drawing/2010/main" val="0"/>
@@ -9305,6 +12740,9 @@
   <p:clrMapOvr>
     <a:masterClrMapping/>
   </p:clrMapOvr>
+  <p:transition spd="slow">
+    <p:wipe/>
+  </p:transition>
 </p:sld>
 </file>
 
@@ -9377,7 +12815,19 @@
                   <a:schemeClr val="bg1"/>
                 </a:solidFill>
               </a:rPr>
-              <a:t>Std=15</a:t>
+              <a:t>Gaussian</a:t>
+            </a:r>
+            <a:r>
+              <a:rPr lang="en-US" altLang="zh-TW" sz="3600" b="1" dirty="0"/>
+              <a:t> </a:t>
+            </a:r>
+            <a:r>
+              <a:rPr lang="en-US" altLang="zh-TW" sz="3600" b="1" dirty="0">
+                <a:solidFill>
+                  <a:schemeClr val="bg1"/>
+                </a:solidFill>
+              </a:rPr>
+              <a:t>=15</a:t>
             </a:r>
             <a:endParaRPr lang="zh-TW" altLang="en-US" sz="3600" dirty="0">
               <a:solidFill>
@@ -9492,6 +12942,9 @@
   <p:clrMapOvr>
     <a:masterClrMapping/>
   </p:clrMapOvr>
+  <p:transition spd="slow">
+    <p:wipe/>
+  </p:transition>
 </p:sld>
 </file>
 
